--- a/trunk/ tsp01-contratos-clientes/ITERACION02_TP01/S03/PPT FINAL v1.0.pptx
+++ b/trunk/ tsp01-contratos-clientes/ITERACION02_TP01/S03/PPT FINAL v1.0.pptx
@@ -277,7 +277,7 @@
               <a:pPr>
                 <a:defRPr/>
               </a:pPr>
-              <a:t>14/06/2012</a:t>
+              <a:t>15/06/2012</a:t>
             </a:fld>
             <a:endParaRPr lang="es-PE"/>
           </a:p>
@@ -3200,7 +3200,7 @@
               <a:pPr>
                 <a:defRPr/>
               </a:pPr>
-              <a:t>14/06/2012</a:t>
+              <a:t>15/06/2012</a:t>
             </a:fld>
             <a:endParaRPr lang="es-PE"/>
           </a:p>
@@ -3408,7 +3408,7 @@
               <a:pPr>
                 <a:defRPr/>
               </a:pPr>
-              <a:t>14/06/2012</a:t>
+              <a:t>15/06/2012</a:t>
             </a:fld>
             <a:endParaRPr lang="es-PE"/>
           </a:p>
@@ -5313,7 +5313,7 @@
               <a:pPr>
                 <a:defRPr/>
               </a:pPr>
-              <a:t>14/06/2012</a:t>
+              <a:t>15/06/2012</a:t>
             </a:fld>
             <a:endParaRPr lang="es-PE"/>
           </a:p>
@@ -5430,7 +5430,7 @@
               <a:pPr>
                 <a:defRPr/>
               </a:pPr>
-              <a:t>14/06/2012</a:t>
+              <a:t>15/06/2012</a:t>
             </a:fld>
             <a:endParaRPr lang="es-PE"/>
           </a:p>
@@ -5622,7 +5622,7 @@
               <a:pPr>
                 <a:defRPr/>
               </a:pPr>
-              <a:t>14/06/2012</a:t>
+              <a:t>15/06/2012</a:t>
             </a:fld>
             <a:endParaRPr lang="es-PE"/>
           </a:p>
@@ -7539,7 +7539,7 @@
               <a:pPr>
                 <a:defRPr/>
               </a:pPr>
-              <a:t>14/06/2012</a:t>
+              <a:t>15/06/2012</a:t>
             </a:fld>
             <a:endParaRPr lang="es-PE"/>
           </a:p>
@@ -7793,7 +7793,7 @@
               <a:pPr>
                 <a:defRPr/>
               </a:pPr>
-              <a:t>14/06/2012</a:t>
+              <a:t>15/06/2012</a:t>
             </a:fld>
             <a:endParaRPr lang="es-PE"/>
           </a:p>
@@ -8247,7 +8247,7 @@
               <a:pPr>
                 <a:defRPr/>
               </a:pPr>
-              <a:t>14/06/2012</a:t>
+              <a:t>15/06/2012</a:t>
             </a:fld>
             <a:endParaRPr lang="es-PE"/>
           </a:p>
@@ -8387,7 +8387,7 @@
               <a:pPr>
                 <a:defRPr/>
               </a:pPr>
-              <a:t>14/06/2012</a:t>
+              <a:t>15/06/2012</a:t>
             </a:fld>
             <a:endParaRPr lang="es-PE"/>
           </a:p>
@@ -10168,7 +10168,7 @@
               <a:pPr>
                 <a:defRPr/>
               </a:pPr>
-              <a:t>14/06/2012</a:t>
+              <a:t>15/06/2012</a:t>
             </a:fld>
             <a:endParaRPr lang="es-PE"/>
           </a:p>
@@ -12184,7 +12184,7 @@
               <a:pPr>
                 <a:defRPr/>
               </a:pPr>
-              <a:t>14/06/2012</a:t>
+              <a:t>15/06/2012</a:t>
             </a:fld>
             <a:endParaRPr lang="es-PE"/>
           </a:p>
@@ -14171,7 +14171,7 @@
               <a:pPr>
                 <a:defRPr/>
               </a:pPr>
-              <a:t>14/06/2012</a:t>
+              <a:t>15/06/2012</a:t>
             </a:fld>
             <a:endParaRPr lang="es-PE"/>
           </a:p>
@@ -16019,7 +16019,7 @@
               <a:pPr>
                 <a:defRPr/>
               </a:pPr>
-              <a:t>14/06/2012</a:t>
+              <a:t>15/06/2012</a:t>
             </a:fld>
             <a:endParaRPr lang="es-PE"/>
           </a:p>
@@ -16796,11 +16796,6 @@
               </a:rPr>
               <a:t>NO FUNCIONALES</a:t>
             </a:r>
-            <a:endParaRPr lang="es-PE" b="1" dirty="0" smtClean="0">
-              <a:solidFill>
-                <a:schemeClr val="tx2"/>
-              </a:solidFill>
-            </a:endParaRPr>
           </a:p>
         </p:txBody>
       </p:sp>
@@ -18829,21 +18824,8 @@
                   <a:schemeClr val="tx2"/>
                 </a:solidFill>
               </a:rPr>
-              <a:t>DIAGRAMA DE </a:t>
+              <a:t>DIAGRAMA DE ACTORES DEL SISTEMA</a:t>
             </a:r>
-            <a:r>
-              <a:rPr lang="es-PE" sz="4000" b="1" dirty="0" smtClean="0">
-                <a:solidFill>
-                  <a:schemeClr val="tx2"/>
-                </a:solidFill>
-              </a:rPr>
-              <a:t>ACTORES DEL SISTEMA</a:t>
-            </a:r>
-            <a:endParaRPr lang="es-PE" sz="4000" b="1" dirty="0" smtClean="0">
-              <a:solidFill>
-                <a:schemeClr val="tx2"/>
-              </a:solidFill>
-            </a:endParaRPr>
           </a:p>
         </p:txBody>
       </p:sp>
@@ -19489,11 +19471,6 @@
               </a:rPr>
               <a:t>INTRODUCCION</a:t>
             </a:r>
-            <a:endParaRPr lang="es-PE" b="1" dirty="0" smtClean="0">
-              <a:solidFill>
-                <a:schemeClr val="tx2"/>
-              </a:solidFill>
-            </a:endParaRPr>
           </a:p>
         </p:txBody>
       </p:sp>
@@ -19922,11 +19899,6 @@
               </a:rPr>
               <a:t>ATRIBUTOS DE LOS CASOS DE USO DEL SISTEMA</a:t>
             </a:r>
-            <a:endParaRPr lang="es-PE" sz="4000" b="1" dirty="0" smtClean="0">
-              <a:solidFill>
-                <a:schemeClr val="tx2"/>
-              </a:solidFill>
-            </a:endParaRPr>
           </a:p>
         </p:txBody>
       </p:sp>
@@ -24880,11 +24852,6 @@
               </a:rPr>
               <a:t>BENCHMARKING</a:t>
             </a:r>
-            <a:endParaRPr lang="es-PE" sz="4000" b="1" dirty="0" smtClean="0">
-              <a:solidFill>
-                <a:schemeClr val="tx2"/>
-              </a:solidFill>
-            </a:endParaRPr>
           </a:p>
         </p:txBody>
       </p:sp>
@@ -25164,78 +25131,11 @@
           <a:lstStyle/>
           <a:p>
             <a:pPr eaLnBrk="1" hangingPunct="1"/>
-            <a:r>
-              <a:rPr lang="es-PE" sz="2800" b="1" dirty="0">
-                <a:solidFill>
-                  <a:schemeClr val="tx2"/>
-                </a:solidFill>
-              </a:rPr>
-              <a:t>Cada vez más, las organizaciones adoptan la estrategia de adquirir productos y servicios que cubran sus necesidades a proveedores externos en lugar de desarrollar éstos </a:t>
-            </a:r>
-            <a:r>
-              <a:rPr lang="es-PE" sz="2800" b="1" dirty="0" smtClean="0">
-                <a:solidFill>
-                  <a:schemeClr val="tx2"/>
-                </a:solidFill>
-              </a:rPr>
-              <a:t>internamente</a:t>
-            </a:r>
-            <a:r>
-              <a:rPr lang="es-PE" sz="2800" b="1" dirty="0">
-                <a:solidFill>
-                  <a:schemeClr val="tx2"/>
-                </a:solidFill>
-              </a:rPr>
-              <a:t>. El proceso de gestión del </a:t>
-            </a:r>
-            <a:r>
-              <a:rPr lang="es-PE" sz="2800" b="1" dirty="0" smtClean="0">
-                <a:solidFill>
-                  <a:schemeClr val="tx2"/>
-                </a:solidFill>
-              </a:rPr>
-              <a:t>contratos de clientes se </a:t>
-            </a:r>
-            <a:r>
-              <a:rPr lang="es-PE" sz="2800" b="1" dirty="0">
-                <a:solidFill>
-                  <a:schemeClr val="tx2"/>
-                </a:solidFill>
-              </a:rPr>
-              <a:t>encarga de asegurar </a:t>
-            </a:r>
-            <a:r>
-              <a:rPr lang="es-PE" sz="2800" b="1" dirty="0" smtClean="0">
-                <a:solidFill>
-                  <a:schemeClr val="tx2"/>
-                </a:solidFill>
-              </a:rPr>
-              <a:t>que TMD cumplirá </a:t>
-            </a:r>
-            <a:r>
-              <a:rPr lang="es-PE" sz="2800" b="1" dirty="0">
-                <a:solidFill>
-                  <a:schemeClr val="tx2"/>
-                </a:solidFill>
-              </a:rPr>
-              <a:t>con los requisitos contractuales en cuanto a rendimiento y que el </a:t>
-            </a:r>
-            <a:r>
-              <a:rPr lang="es-PE" sz="2800" b="1" dirty="0" smtClean="0">
-                <a:solidFill>
-                  <a:schemeClr val="tx2"/>
-                </a:solidFill>
-              </a:rPr>
-              <a:t>cliente </a:t>
-            </a:r>
-            <a:r>
-              <a:rPr lang="es-PE" sz="2800" b="1" dirty="0">
-                <a:solidFill>
-                  <a:schemeClr val="tx2"/>
-                </a:solidFill>
-              </a:rPr>
-              <a:t>actuará conforme a los términos del contrato.</a:t>
-            </a:r>
+            <a:endParaRPr lang="es-PE" sz="2800" b="1" dirty="0">
+              <a:solidFill>
+                <a:schemeClr val="tx2"/>
+              </a:solidFill>
+            </a:endParaRPr>
           </a:p>
         </p:txBody>
       </p:sp>
@@ -25845,11 +25745,6 @@
               </a:rPr>
               <a:t>CORRECCIONES AL ENTREGABLE ANTERIOR</a:t>
             </a:r>
-            <a:endParaRPr lang="es-PE" b="1" dirty="0">
-              <a:solidFill>
-                <a:schemeClr val="tx2"/>
-              </a:solidFill>
-            </a:endParaRPr>
           </a:p>
         </p:txBody>
       </p:sp>
@@ -25912,11 +25807,6 @@
               </a:rPr>
               <a:t>PRINCIPALES CORRECCIONES AL ENTREGABLE ANTERIOR</a:t>
             </a:r>
-            <a:endParaRPr lang="es-PE" sz="4000" dirty="0" smtClean="0">
-              <a:solidFill>
-                <a:schemeClr val="bg1"/>
-              </a:solidFill>
-            </a:endParaRPr>
           </a:p>
         </p:txBody>
       </p:sp>
@@ -26381,18 +26271,6 @@
                         </a:rPr>
                         <a:t>El sistema debe permitir consultar la información de las solicitudes de contrato.</a:t>
                       </a:r>
-                      <a:endParaRPr kumimoji="0" lang="es-PE" sz="2000" b="0" i="1" u="none" strike="noStrike" kern="1200" cap="none" normalizeH="0" baseline="0" dirty="0" smtClean="0">
-                        <a:ln>
-                          <a:noFill/>
-                        </a:ln>
-                        <a:solidFill>
-                          <a:schemeClr val="tx2"/>
-                        </a:solidFill>
-                        <a:effectLst/>
-                        <a:latin typeface="Candara" pitchFamily="34" charset="0"/>
-                        <a:ea typeface="+mn-ea"/>
-                        <a:cs typeface="+mn-cs"/>
-                      </a:endParaRPr>
                     </a:p>
                   </a:txBody>
                   <a:tcPr horzOverflow="overflow">
@@ -26758,7 +26636,6 @@
               <a:rPr lang="es-PE" dirty="0"/>
               <a:t>REQUERIMIENTOS FUNCIONALES</a:t>
             </a:r>
-            <a:endParaRPr lang="es-PE" dirty="0"/>
           </a:p>
         </p:txBody>
       </p:sp>
@@ -27339,7 +27216,6 @@
               <a:rPr lang="es-PE" dirty="0"/>
               <a:t>REQUERIMIENTOS FUNCIONALES</a:t>
             </a:r>
-            <a:endParaRPr lang="es-PE" dirty="0"/>
           </a:p>
         </p:txBody>
       </p:sp>

--- a/trunk/ tsp01-contratos-clientes/ITERACION02_TP01/S03/PPT FINAL v1.0.pptx
+++ b/trunk/ tsp01-contratos-clientes/ITERACION02_TP01/S03/PPT FINAL v1.0.pptx
@@ -5,7 +5,7 @@
     <p:sldMasterId id="2147483660" r:id="rId1"/>
   </p:sldMasterIdLst>
   <p:notesMasterIdLst>
-    <p:notesMasterId r:id="rId33"/>
+    <p:notesMasterId r:id="rId36"/>
   </p:notesMasterIdLst>
   <p:sldIdLst>
     <p:sldId id="256" r:id="rId2"/>
@@ -35,10 +35,13 @@
     <p:sldId id="329" r:id="rId26"/>
     <p:sldId id="330" r:id="rId27"/>
     <p:sldId id="300" r:id="rId28"/>
-    <p:sldId id="314" r:id="rId29"/>
-    <p:sldId id="305" r:id="rId30"/>
-    <p:sldId id="331" r:id="rId31"/>
-    <p:sldId id="260" r:id="rId32"/>
+    <p:sldId id="334" r:id="rId29"/>
+    <p:sldId id="314" r:id="rId30"/>
+    <p:sldId id="332" r:id="rId31"/>
+    <p:sldId id="333" r:id="rId32"/>
+    <p:sldId id="305" r:id="rId33"/>
+    <p:sldId id="331" r:id="rId34"/>
+    <p:sldId id="260" r:id="rId35"/>
   </p:sldIdLst>
   <p:sldSz cx="9144000" cy="6858000" type="screen4x3"/>
   <p:notesSz cx="6858000" cy="9144000"/>
@@ -272,7 +275,7 @@
             <a:pPr>
               <a:defRPr/>
             </a:pPr>
-            <a:fld id="{323FDCD3-4566-4CD4-B5BF-66DA12597090}" type="datetimeFigureOut">
+            <a:fld id="{811DC0D2-5658-42B4-85C0-0F9EFCC9245D}" type="datetimeFigureOut">
               <a:rPr lang="es-PE"/>
               <a:pPr>
                 <a:defRPr/>
@@ -459,7 +462,7 @@
             <a:pPr>
               <a:defRPr/>
             </a:pPr>
-            <a:fld id="{5F8B548B-B270-42EB-A27B-B90CCF8F09CC}" type="slidenum">
+            <a:fld id="{619100C4-FE96-4DD8-A39B-FD1970437A74}" type="slidenum">
               <a:rPr lang="es-PE"/>
               <a:pPr>
                 <a:defRPr/>
@@ -471,11 +474,6 @@
         </p:txBody>
       </p:sp>
     </p:spTree>
-    <p:extLst>
-      <p:ext uri="{BB962C8B-B14F-4D97-AF65-F5344CB8AC3E}">
-        <p14:creationId xmlns:p14="http://schemas.microsoft.com/office/powerpoint/2010/main" val="2054601409"/>
-      </p:ext>
-    </p:extLst>
   </p:cSld>
   <p:clrMap bg1="lt1" tx1="dk1" bg2="lt2" tx2="dk2" accent1="accent1" accent2="accent2" accent3="accent3" accent4="accent4" accent5="accent5" accent6="accent6" hlink="hlink" folHlink="folHlink"/>
   <p:notesStyle>
@@ -702,7 +700,7 @@
             <a:pPr algn="r">
               <a:defRPr/>
             </a:pPr>
-            <a:fld id="{62BC7B02-F842-48BE-92CB-D4ECBCDA1B8E}" type="slidenum">
+            <a:fld id="{8E0D32E1-4952-4F31-BB61-DD4F0BB64D2F}" type="slidenum">
               <a:rPr lang="es-PE" sz="1200">
                 <a:latin typeface="+mn-lt"/>
               </a:rPr>
@@ -744,7 +742,7 @@
       </p:grpSpPr>
       <p:sp>
         <p:nvSpPr>
-          <p:cNvPr id="22529" name="1 Marcador de imagen de diapositiva"/>
+          <p:cNvPr id="24577" name="1 Marcador de imagen de diapositiva"/>
           <p:cNvSpPr>
             <a:spLocks noGrp="1" noRot="1" noChangeAspect="1" noTextEdit="1"/>
           </p:cNvSpPr>
@@ -766,7 +764,7 @@
       </p:sp>
       <p:sp>
         <p:nvSpPr>
-          <p:cNvPr id="22530" name="2 Marcador de notas"/>
+          <p:cNvPr id="24578" name="2 Marcador de notas"/>
           <p:cNvSpPr>
             <a:spLocks noGrp="1"/>
           </p:cNvSpPr>
@@ -824,7 +822,7 @@
             <a:pPr algn="r">
               <a:defRPr/>
             </a:pPr>
-            <a:fld id="{62BC7B02-F842-48BE-92CB-D4ECBCDA1B8E}" type="slidenum">
+            <a:fld id="{66FE8572-14FB-4E97-983D-AA79736D8356}" type="slidenum">
               <a:rPr lang="es-PE" sz="1200">
                 <a:latin typeface="+mn-lt"/>
               </a:rPr>
@@ -866,7 +864,7 @@
       </p:grpSpPr>
       <p:sp>
         <p:nvSpPr>
-          <p:cNvPr id="22529" name="1 Marcador de imagen de diapositiva"/>
+          <p:cNvPr id="26625" name="1 Marcador de imagen de diapositiva"/>
           <p:cNvSpPr>
             <a:spLocks noGrp="1" noRot="1" noChangeAspect="1" noTextEdit="1"/>
           </p:cNvSpPr>
@@ -888,7 +886,7 @@
       </p:sp>
       <p:sp>
         <p:nvSpPr>
-          <p:cNvPr id="22530" name="2 Marcador de notas"/>
+          <p:cNvPr id="26626" name="2 Marcador de notas"/>
           <p:cNvSpPr>
             <a:spLocks noGrp="1"/>
           </p:cNvSpPr>
@@ -946,7 +944,7 @@
             <a:pPr algn="r">
               <a:defRPr/>
             </a:pPr>
-            <a:fld id="{62BC7B02-F842-48BE-92CB-D4ECBCDA1B8E}" type="slidenum">
+            <a:fld id="{E3C382DD-1BFD-4FCF-A999-D942C8EB54C7}" type="slidenum">
               <a:rPr lang="es-PE" sz="1200">
                 <a:latin typeface="+mn-lt"/>
               </a:rPr>
@@ -988,7 +986,7 @@
       </p:grpSpPr>
       <p:sp>
         <p:nvSpPr>
-          <p:cNvPr id="22529" name="1 Marcador de imagen de diapositiva"/>
+          <p:cNvPr id="29697" name="1 Marcador de imagen de diapositiva"/>
           <p:cNvSpPr>
             <a:spLocks noGrp="1" noRot="1" noChangeAspect="1" noTextEdit="1"/>
           </p:cNvSpPr>
@@ -1010,7 +1008,7 @@
       </p:sp>
       <p:sp>
         <p:nvSpPr>
-          <p:cNvPr id="22530" name="2 Marcador de notas"/>
+          <p:cNvPr id="29698" name="2 Marcador de notas"/>
           <p:cNvSpPr>
             <a:spLocks noGrp="1"/>
           </p:cNvSpPr>
@@ -1068,7 +1066,7 @@
             <a:pPr algn="r">
               <a:defRPr/>
             </a:pPr>
-            <a:fld id="{62BC7B02-F842-48BE-92CB-D4ECBCDA1B8E}" type="slidenum">
+            <a:fld id="{52410A19-F163-4030-A585-8D5DC6E69E8D}" type="slidenum">
               <a:rPr lang="es-PE" sz="1200">
                 <a:latin typeface="+mn-lt"/>
               </a:rPr>
@@ -1110,7 +1108,7 @@
       </p:grpSpPr>
       <p:sp>
         <p:nvSpPr>
-          <p:cNvPr id="22529" name="1 Marcador de imagen de diapositiva"/>
+          <p:cNvPr id="31745" name="1 Marcador de imagen de diapositiva"/>
           <p:cNvSpPr>
             <a:spLocks noGrp="1" noRot="1" noChangeAspect="1" noTextEdit="1"/>
           </p:cNvSpPr>
@@ -1132,7 +1130,7 @@
       </p:sp>
       <p:sp>
         <p:nvSpPr>
-          <p:cNvPr id="22530" name="2 Marcador de notas"/>
+          <p:cNvPr id="31746" name="2 Marcador de notas"/>
           <p:cNvSpPr>
             <a:spLocks noGrp="1"/>
           </p:cNvSpPr>
@@ -1190,7 +1188,7 @@
             <a:pPr algn="r">
               <a:defRPr/>
             </a:pPr>
-            <a:fld id="{62BC7B02-F842-48BE-92CB-D4ECBCDA1B8E}" type="slidenum">
+            <a:fld id="{684C3853-998F-4904-9BF8-E2E7BD2264F5}" type="slidenum">
               <a:rPr lang="es-PE" sz="1200">
                 <a:latin typeface="+mn-lt"/>
               </a:rPr>
@@ -1232,7 +1230,7 @@
       </p:grpSpPr>
       <p:sp>
         <p:nvSpPr>
-          <p:cNvPr id="22529" name="1 Marcador de imagen de diapositiva"/>
+          <p:cNvPr id="33793" name="1 Marcador de imagen de diapositiva"/>
           <p:cNvSpPr>
             <a:spLocks noGrp="1" noRot="1" noChangeAspect="1" noTextEdit="1"/>
           </p:cNvSpPr>
@@ -1254,7 +1252,7 @@
       </p:sp>
       <p:sp>
         <p:nvSpPr>
-          <p:cNvPr id="22530" name="2 Marcador de notas"/>
+          <p:cNvPr id="33794" name="2 Marcador de notas"/>
           <p:cNvSpPr>
             <a:spLocks noGrp="1"/>
           </p:cNvSpPr>
@@ -1312,7 +1310,7 @@
             <a:pPr algn="r">
               <a:defRPr/>
             </a:pPr>
-            <a:fld id="{62BC7B02-F842-48BE-92CB-D4ECBCDA1B8E}" type="slidenum">
+            <a:fld id="{9D8893D0-0446-49E2-8F7F-63078105B552}" type="slidenum">
               <a:rPr lang="es-PE" sz="1200">
                 <a:latin typeface="+mn-lt"/>
               </a:rPr>
@@ -3195,7 +3193,7 @@
             <a:pPr>
               <a:defRPr/>
             </a:pPr>
-            <a:fld id="{517299F3-045D-4371-9AB2-905AC944D0B6}" type="datetimeFigureOut">
+            <a:fld id="{8367A9E3-BD6D-4E11-BD39-FB9D59BEC527}" type="datetimeFigureOut">
               <a:rPr lang="es-PE"/>
               <a:pPr>
                 <a:defRPr/>
@@ -3254,7 +3252,7 @@
             <a:pPr>
               <a:defRPr/>
             </a:pPr>
-            <a:fld id="{3128AE09-7BC0-4116-A3C6-DB6054D9F016}" type="slidenum">
+            <a:fld id="{B909DE6A-D2D0-4257-B5BF-66331D85DB6C}" type="slidenum">
               <a:rPr lang="es-PE"/>
               <a:pPr>
                 <a:defRPr/>
@@ -3403,7 +3401,7 @@
             <a:pPr>
               <a:defRPr/>
             </a:pPr>
-            <a:fld id="{E89A831E-379F-4203-93CF-427BEC3D5DB0}" type="datetimeFigureOut">
+            <a:fld id="{5C0F92D6-2392-4BDB-9D0A-AC74DBF17B0B}" type="datetimeFigureOut">
               <a:rPr lang="es-PE"/>
               <a:pPr>
                 <a:defRPr/>
@@ -3462,7 +3460,7 @@
             <a:pPr>
               <a:defRPr/>
             </a:pPr>
-            <a:fld id="{CC2DA1B1-1E93-448D-A64E-B57B7BBC6799}" type="slidenum">
+            <a:fld id="{C6142725-E735-413E-A3A7-6AA076A91702}" type="slidenum">
               <a:rPr lang="es-PE"/>
               <a:pPr>
                 <a:defRPr/>
@@ -5308,7 +5306,7 @@
             <a:pPr>
               <a:defRPr/>
             </a:pPr>
-            <a:fld id="{C9BD767E-84B0-4C22-BE3B-09192FB0AAFF}" type="datetimeFigureOut">
+            <a:fld id="{D0A037F1-4913-4633-ADE3-B54161645B47}" type="datetimeFigureOut">
               <a:rPr lang="es-PE"/>
               <a:pPr>
                 <a:defRPr/>
@@ -5367,7 +5365,7 @@
             <a:pPr>
               <a:defRPr/>
             </a:pPr>
-            <a:fld id="{6EC2FFD2-3255-48BD-9FF0-F2E8CF96079F}" type="slidenum">
+            <a:fld id="{26B7D584-549B-4990-BE9D-6A99FDB07482}" type="slidenum">
               <a:rPr lang="es-PE"/>
               <a:pPr>
                 <a:defRPr/>
@@ -5425,7 +5423,7 @@
             <a:pPr>
               <a:defRPr/>
             </a:pPr>
-            <a:fld id="{19A75D6A-DB8B-4B2F-8CBB-2DDB7B415909}" type="datetimeFigureOut">
+            <a:fld id="{64BB48F2-1E57-443C-BA99-860540815444}" type="datetimeFigureOut">
               <a:rPr lang="es-PE"/>
               <a:pPr>
                 <a:defRPr/>
@@ -5484,7 +5482,7 @@
             <a:pPr>
               <a:defRPr/>
             </a:pPr>
-            <a:fld id="{853097C8-608D-4D31-843D-6748ADC970A3}" type="slidenum">
+            <a:fld id="{43175E5E-5E17-4EF1-8F63-96EB98CDFE39}" type="slidenum">
               <a:rPr lang="es-PE"/>
               <a:pPr>
                 <a:defRPr/>
@@ -5617,7 +5615,7 @@
             <a:pPr>
               <a:defRPr/>
             </a:pPr>
-            <a:fld id="{8C0DCBA8-7C0D-44D7-8420-B146FD266EE6}" type="datetimeFigureOut">
+            <a:fld id="{A1381F07-65BB-492F-AFB0-8DD09C51F6E0}" type="datetimeFigureOut">
               <a:rPr lang="es-PE"/>
               <a:pPr>
                 <a:defRPr/>
@@ -5676,7 +5674,7 @@
             <a:pPr>
               <a:defRPr/>
             </a:pPr>
-            <a:fld id="{D0B0814F-F191-4471-826A-DEA4D6CF5731}" type="slidenum">
+            <a:fld id="{FA07D73F-892A-4FEE-8F20-E5B71C30A7CE}" type="slidenum">
               <a:rPr lang="es-PE"/>
               <a:pPr>
                 <a:defRPr/>
@@ -7534,7 +7532,7 @@
             <a:pPr>
               <a:defRPr/>
             </a:pPr>
-            <a:fld id="{1B878239-E8E5-4F2C-94C4-5C89BF456EA4}" type="datetimeFigureOut">
+            <a:fld id="{B9F87C86-83B4-44A9-B8C0-A641AF19DB07}" type="datetimeFigureOut">
               <a:rPr lang="es-PE"/>
               <a:pPr>
                 <a:defRPr/>
@@ -7593,7 +7591,7 @@
             <a:pPr>
               <a:defRPr/>
             </a:pPr>
-            <a:fld id="{ECC1FD1C-5CD7-4585-A7A0-0B56C958A0E6}" type="slidenum">
+            <a:fld id="{3B0EEEB0-6243-4A49-A375-2295202BF3A5}" type="slidenum">
               <a:rPr lang="es-PE"/>
               <a:pPr>
                 <a:defRPr/>
@@ -7788,7 +7786,7 @@
             <a:pPr>
               <a:defRPr/>
             </a:pPr>
-            <a:fld id="{03B6ACCF-F1F7-4B2C-AC42-3F03657E5E7F}" type="datetimeFigureOut">
+            <a:fld id="{3DF3E2B1-6FC6-4652-BE43-EF8B71C2676C}" type="datetimeFigureOut">
               <a:rPr lang="es-PE"/>
               <a:pPr>
                 <a:defRPr/>
@@ -7847,7 +7845,7 @@
             <a:pPr>
               <a:defRPr/>
             </a:pPr>
-            <a:fld id="{FF858B42-3664-45D3-A5DE-A158C00EC468}" type="slidenum">
+            <a:fld id="{F1F00322-2340-4C34-BB1A-56D386CF2736}" type="slidenum">
               <a:rPr lang="es-PE"/>
               <a:pPr>
                 <a:defRPr/>
@@ -8242,7 +8240,7 @@
             <a:pPr>
               <a:defRPr/>
             </a:pPr>
-            <a:fld id="{93825AFB-6E36-47C0-AB77-2EBA83398CF5}" type="datetimeFigureOut">
+            <a:fld id="{DD32581A-B990-468D-BBE0-BD1AAA496AF2}" type="datetimeFigureOut">
               <a:rPr lang="es-PE"/>
               <a:pPr>
                 <a:defRPr/>
@@ -8301,7 +8299,7 @@
             <a:pPr>
               <a:defRPr/>
             </a:pPr>
-            <a:fld id="{38C41A3D-969F-4299-AFAB-E94FE591777C}" type="slidenum">
+            <a:fld id="{527CD021-2D8D-4CE3-93F9-1501456D1A00}" type="slidenum">
               <a:rPr lang="es-PE"/>
               <a:pPr>
                 <a:defRPr/>
@@ -8382,7 +8380,7 @@
             <a:pPr>
               <a:defRPr/>
             </a:pPr>
-            <a:fld id="{0E64ED69-832F-4727-8CBB-A8A678E99314}" type="datetimeFigureOut">
+            <a:fld id="{041C1FCA-7EC1-4A25-A6CC-F638B530E440}" type="datetimeFigureOut">
               <a:rPr lang="es-PE"/>
               <a:pPr>
                 <a:defRPr/>
@@ -8441,7 +8439,7 @@
             <a:pPr>
               <a:defRPr/>
             </a:pPr>
-            <a:fld id="{A242F7FE-3452-48FA-9B7F-836F66EB5DF6}" type="slidenum">
+            <a:fld id="{BB2493C2-71C8-475A-8C23-72DA34897327}" type="slidenum">
               <a:rPr lang="es-PE"/>
               <a:pPr>
                 <a:defRPr/>
@@ -10163,7 +10161,7 @@
             <a:pPr>
               <a:defRPr/>
             </a:pPr>
-            <a:fld id="{D899F907-9C25-4283-A497-70F239498D48}" type="datetimeFigureOut">
+            <a:fld id="{4321A8E6-DB35-4E5A-8616-4BB9FEBFBF46}" type="datetimeFigureOut">
               <a:rPr lang="es-PE"/>
               <a:pPr>
                 <a:defRPr/>
@@ -10222,7 +10220,7 @@
             <a:pPr>
               <a:defRPr/>
             </a:pPr>
-            <a:fld id="{DE3BE379-124E-40A4-BC85-22E27BE5CBA9}" type="slidenum">
+            <a:fld id="{8E85D2D3-1C5B-4EE1-BC99-56DC7263EB8B}" type="slidenum">
               <a:rPr lang="es-PE"/>
               <a:pPr>
                 <a:defRPr/>
@@ -12179,7 +12177,7 @@
             <a:pPr>
               <a:defRPr/>
             </a:pPr>
-            <a:fld id="{A836321C-699A-4873-AA45-14DF158D99AB}" type="datetimeFigureOut">
+            <a:fld id="{3ECC800C-1235-4EA2-B8E6-B6A2E027E892}" type="datetimeFigureOut">
               <a:rPr lang="es-PE"/>
               <a:pPr>
                 <a:defRPr/>
@@ -12238,7 +12236,7 @@
             <a:pPr>
               <a:defRPr/>
             </a:pPr>
-            <a:fld id="{64DF41D0-0D83-4EEF-9657-7BEBCC9D4A59}" type="slidenum">
+            <a:fld id="{A7A88101-DFB2-4B79-B7E1-FCBCDE2AF45A}" type="slidenum">
               <a:rPr lang="es-PE"/>
               <a:pPr>
                 <a:defRPr/>
@@ -14166,7 +14164,7 @@
             <a:pPr>
               <a:defRPr/>
             </a:pPr>
-            <a:fld id="{61272F26-5DE3-4F6E-9394-3325174839B4}" type="datetimeFigureOut">
+            <a:fld id="{CCDABCFD-D0F1-478B-A434-44041E704B73}" type="datetimeFigureOut">
               <a:rPr lang="es-PE"/>
               <a:pPr>
                 <a:defRPr/>
@@ -14225,7 +14223,7 @@
             <a:pPr>
               <a:defRPr/>
             </a:pPr>
-            <a:fld id="{A3F0D016-E694-46B9-AB5C-AEF01A00A79A}" type="slidenum">
+            <a:fld id="{2E947133-27C9-4C5A-8C4C-2F8F90308810}" type="slidenum">
               <a:rPr lang="es-PE"/>
               <a:pPr>
                 <a:defRPr/>
@@ -16014,7 +16012,7 @@
             <a:pPr>
               <a:defRPr/>
             </a:pPr>
-            <a:fld id="{C83F47BD-43CD-4B1A-8877-10A3BBE4B3B7}" type="datetimeFigureOut">
+            <a:fld id="{40A03DA6-5B48-4017-8481-CE314B820F88}" type="datetimeFigureOut">
               <a:rPr lang="es-PE"/>
               <a:pPr>
                 <a:defRPr/>
@@ -16111,7 +16109,7 @@
             <a:pPr>
               <a:defRPr/>
             </a:pPr>
-            <a:fld id="{20307624-CD32-4AF4-8F42-9FACB3262EDA}" type="slidenum">
+            <a:fld id="{66957034-D55C-4346-B74B-9EE42A8DCB59}" type="slidenum">
               <a:rPr lang="es-PE"/>
               <a:pPr>
                 <a:defRPr/>
@@ -16761,7 +16759,7 @@
       </p:grpSpPr>
       <p:sp>
         <p:nvSpPr>
-          <p:cNvPr id="20481" name="2 Título"/>
+          <p:cNvPr id="27649" name="2 Título"/>
           <p:cNvSpPr>
             <a:spLocks noGrp="1"/>
           </p:cNvSpPr>
@@ -16781,20 +16779,12 @@
           <a:p>
             <a:pPr eaLnBrk="1" hangingPunct="1"/>
             <a:r>
-              <a:rPr lang="es-PE" b="1" dirty="0">
+              <a:rPr lang="es-PE" b="1" smtClean="0">
                 <a:solidFill>
                   <a:schemeClr val="tx2"/>
                 </a:solidFill>
               </a:rPr>
-              <a:t>REQUERIMIENTOS </a:t>
-            </a:r>
-            <a:r>
-              <a:rPr lang="es-PE" b="1" dirty="0" smtClean="0">
-                <a:solidFill>
-                  <a:schemeClr val="tx2"/>
-                </a:solidFill>
-              </a:rPr>
-              <a:t>NO FUNCIONALES</a:t>
+              <a:t>REQUERIMIENTOS NO FUNCIONALES</a:t>
             </a:r>
           </a:p>
         </p:txBody>
@@ -16865,17 +16855,11 @@
           <p:cNvGraphicFramePr>
             <a:graphicFrameLocks noGrp="1"/>
           </p:cNvGraphicFramePr>
-          <p:nvPr>
-            <p:extLst>
-              <p:ext uri="{D42A27DB-BD31-4B8C-83A1-F6EECF244321}">
-                <p14:modId xmlns:p14="http://schemas.microsoft.com/office/powerpoint/2010/main" val="2072749679"/>
-              </p:ext>
-            </p:extLst>
-          </p:nvPr>
+          <p:nvPr/>
         </p:nvGraphicFramePr>
         <p:xfrm>
-          <a:off x="323850" y="2132856"/>
-          <a:ext cx="8568630" cy="4510880"/>
+          <a:off x="323850" y="2133600"/>
+          <a:ext cx="8569325" cy="4510088"/>
         </p:xfrm>
         <a:graphic>
           <a:graphicData uri="http://schemas.openxmlformats.org/drawingml/2006/table">
@@ -17434,11 +17418,6 @@
         </a:graphic>
       </p:graphicFrame>
     </p:spTree>
-    <p:extLst>
-      <p:ext uri="{BB962C8B-B14F-4D97-AF65-F5344CB8AC3E}">
-        <p14:creationId xmlns:p14="http://schemas.microsoft.com/office/powerpoint/2010/main" val="1090344372"/>
-      </p:ext>
-    </p:extLst>
   </p:cSld>
   <p:clrMapOvr>
     <a:masterClrMapping/>
@@ -17511,17 +17490,11 @@
           <p:cNvGraphicFramePr>
             <a:graphicFrameLocks noGrp="1"/>
           </p:cNvGraphicFramePr>
-          <p:nvPr>
-            <p:extLst>
-              <p:ext uri="{D42A27DB-BD31-4B8C-83A1-F6EECF244321}">
-                <p14:modId xmlns:p14="http://schemas.microsoft.com/office/powerpoint/2010/main" val="3263564375"/>
-              </p:ext>
-            </p:extLst>
-          </p:nvPr>
+          <p:nvPr/>
         </p:nvGraphicFramePr>
         <p:xfrm>
-          <a:off x="323850" y="2132856"/>
-          <a:ext cx="8568630" cy="4282632"/>
+          <a:off x="323850" y="2133600"/>
+          <a:ext cx="8569325" cy="4281488"/>
         </p:xfrm>
         <a:graphic>
           <a:graphicData uri="http://schemas.openxmlformats.org/drawingml/2006/table">
@@ -18163,11 +18136,6 @@
         </a:graphic>
       </p:graphicFrame>
     </p:spTree>
-    <p:extLst>
-      <p:ext uri="{BB962C8B-B14F-4D97-AF65-F5344CB8AC3E}">
-        <p14:creationId xmlns:p14="http://schemas.microsoft.com/office/powerpoint/2010/main" val="287831985"/>
-      </p:ext>
-    </p:extLst>
   </p:cSld>
   <p:clrMapOvr>
     <a:masterClrMapping/>
@@ -18240,17 +18208,11 @@
           <p:cNvGraphicFramePr>
             <a:graphicFrameLocks noGrp="1"/>
           </p:cNvGraphicFramePr>
-          <p:nvPr>
-            <p:extLst>
-              <p:ext uri="{D42A27DB-BD31-4B8C-83A1-F6EECF244321}">
-                <p14:modId xmlns:p14="http://schemas.microsoft.com/office/powerpoint/2010/main" val="4153780997"/>
-              </p:ext>
-            </p:extLst>
-          </p:nvPr>
+          <p:nvPr/>
         </p:nvGraphicFramePr>
         <p:xfrm>
-          <a:off x="323850" y="2132856"/>
-          <a:ext cx="8568630" cy="4346448"/>
+          <a:off x="323850" y="2133600"/>
+          <a:ext cx="8569325" cy="4344988"/>
         </p:xfrm>
         <a:graphic>
           <a:graphicData uri="http://schemas.openxmlformats.org/drawingml/2006/table">
@@ -18761,11 +18723,6 @@
         </a:graphic>
       </p:graphicFrame>
     </p:spTree>
-    <p:extLst>
-      <p:ext uri="{BB962C8B-B14F-4D97-AF65-F5344CB8AC3E}">
-        <p14:creationId xmlns:p14="http://schemas.microsoft.com/office/powerpoint/2010/main" val="3788073094"/>
-      </p:ext>
-    </p:extLst>
   </p:cSld>
   <p:clrMapOvr>
     <a:masterClrMapping/>
@@ -18799,7 +18756,7 @@
       </p:grpSpPr>
       <p:sp>
         <p:nvSpPr>
-          <p:cNvPr id="31745" name="2 Título"/>
+          <p:cNvPr id="34817" name="2 Título"/>
           <p:cNvSpPr>
             <a:spLocks noGrp="1"/>
           </p:cNvSpPr>
@@ -18819,7 +18776,7 @@
           <a:p>
             <a:pPr eaLnBrk="1" hangingPunct="1"/>
             <a:r>
-              <a:rPr lang="es-PE" sz="4000" b="1" dirty="0" smtClean="0">
+              <a:rPr lang="es-PE" sz="4000" b="1" smtClean="0">
                 <a:solidFill>
                   <a:schemeClr val="tx2"/>
                 </a:solidFill>
@@ -18856,20 +18813,14 @@
       </p:grpSpPr>
       <p:pic>
         <p:nvPicPr>
-          <p:cNvPr id="1026" name="Imagen 3"/>
+          <p:cNvPr id="35841" name="Imagen 3"/>
           <p:cNvPicPr>
             <a:picLocks noChangeAspect="1" noChangeArrowheads="1"/>
           </p:cNvPicPr>
           <p:nvPr/>
         </p:nvPicPr>
         <p:blipFill>
-          <a:blip r:embed="rId2">
-            <a:extLst>
-              <a:ext uri="{28A0092B-C50C-407E-A947-70E740481C1C}">
-                <a14:useLocalDpi xmlns:a14="http://schemas.microsoft.com/office/drawing/2010/main" val="0"/>
-              </a:ext>
-            </a:extLst>
-          </a:blip>
+          <a:blip r:embed="rId2"/>
           <a:srcRect/>
           <a:stretch>
             <a:fillRect/>
@@ -18877,35 +18828,19 @@
         </p:blipFill>
         <p:spPr bwMode="auto">
           <a:xfrm>
-            <a:off x="2267744" y="1682024"/>
-            <a:ext cx="4536504" cy="4832364"/>
+            <a:off x="2268538" y="1682750"/>
+            <a:ext cx="4535487" cy="4832350"/>
           </a:xfrm>
           <a:prstGeom prst="rect">
             <a:avLst/>
           </a:prstGeom>
           <a:noFill/>
-          <a:ln>
+          <a:ln w="9525">
             <a:noFill/>
+            <a:miter lim="800000"/>
+            <a:headEnd/>
+            <a:tailEnd/>
           </a:ln>
-          <a:extLst>
-            <a:ext uri="{909E8E84-426E-40DD-AFC4-6F175D3DCCD1}">
-              <a14:hiddenFill xmlns:a14="http://schemas.microsoft.com/office/drawing/2010/main">
-                <a:solidFill>
-                  <a:srgbClr val="FFFFFF"/>
-                </a:solidFill>
-              </a14:hiddenFill>
-            </a:ext>
-            <a:ext uri="{91240B29-F687-4F45-9708-019B960494DF}">
-              <a14:hiddenLine xmlns:a14="http://schemas.microsoft.com/office/drawing/2010/main" w="9525">
-                <a:solidFill>
-                  <a:srgbClr val="000000"/>
-                </a:solidFill>
-                <a:miter lim="800000"/>
-                <a:headEnd/>
-                <a:tailEnd/>
-              </a14:hiddenLine>
-            </a:ext>
-          </a:extLst>
         </p:spPr>
       </p:pic>
       <p:sp>
@@ -18918,12 +18853,7 @@
             <p:ph type="title" idx="4294967295"/>
           </p:nvPr>
         </p:nvSpPr>
-        <p:spPr>
-          <a:xfrm>
-            <a:off x="457200" y="338138"/>
-            <a:ext cx="8229600" cy="1252537"/>
-          </a:xfrm>
-        </p:spPr>
+        <p:spPr/>
         <p:txBody>
           <a:bodyPr rtlCol="0">
             <a:normAutofit fontScale="90000"/>
@@ -18971,7 +18901,7 @@
       </p:grpSpPr>
       <p:sp>
         <p:nvSpPr>
-          <p:cNvPr id="33793" name="2 Título"/>
+          <p:cNvPr id="36865" name="2 Título"/>
           <p:cNvSpPr>
             <a:spLocks noGrp="1"/>
           </p:cNvSpPr>
@@ -18991,18 +18921,13 @@
           <a:p>
             <a:pPr eaLnBrk="1" hangingPunct="1"/>
             <a:r>
-              <a:rPr lang="es-PE" sz="4000" b="1" dirty="0" smtClean="0">
+              <a:rPr lang="es-PE" sz="4000" b="1" smtClean="0">
                 <a:solidFill>
                   <a:schemeClr val="tx2"/>
                 </a:solidFill>
               </a:rPr>
               <a:t>DIAGRAMA DE PAQUETES DEL SISTEMA</a:t>
             </a:r>
-            <a:endParaRPr lang="es-PE" sz="4000" b="1" dirty="0">
-              <a:solidFill>
-                <a:schemeClr val="tx2"/>
-              </a:solidFill>
-            </a:endParaRPr>
           </a:p>
         </p:txBody>
       </p:sp>
@@ -19033,20 +18958,14 @@
       </p:grpSpPr>
       <p:pic>
         <p:nvPicPr>
-          <p:cNvPr id="2050" name="Imagen 4"/>
+          <p:cNvPr id="37889" name="Imagen 4"/>
           <p:cNvPicPr>
             <a:picLocks noChangeAspect="1" noChangeArrowheads="1"/>
           </p:cNvPicPr>
           <p:nvPr/>
         </p:nvPicPr>
         <p:blipFill>
-          <a:blip r:embed="rId2">
-            <a:extLst>
-              <a:ext uri="{28A0092B-C50C-407E-A947-70E740481C1C}">
-                <a14:useLocalDpi xmlns:a14="http://schemas.microsoft.com/office/drawing/2010/main" val="0"/>
-              </a:ext>
-            </a:extLst>
-          </a:blip>
+          <a:blip r:embed="rId2"/>
           <a:srcRect/>
           <a:stretch>
             <a:fillRect/>
@@ -19054,35 +18973,19 @@
         </p:blipFill>
         <p:spPr bwMode="auto">
           <a:xfrm>
-            <a:off x="1547664" y="1772816"/>
-            <a:ext cx="5904656" cy="4701160"/>
+            <a:off x="1547813" y="1773238"/>
+            <a:ext cx="5903912" cy="4700587"/>
           </a:xfrm>
           <a:prstGeom prst="rect">
             <a:avLst/>
           </a:prstGeom>
           <a:noFill/>
-          <a:ln>
+          <a:ln w="9525">
             <a:noFill/>
+            <a:miter lim="800000"/>
+            <a:headEnd/>
+            <a:tailEnd/>
           </a:ln>
-          <a:extLst>
-            <a:ext uri="{909E8E84-426E-40DD-AFC4-6F175D3DCCD1}">
-              <a14:hiddenFill xmlns:a14="http://schemas.microsoft.com/office/drawing/2010/main">
-                <a:solidFill>
-                  <a:srgbClr val="FFFFFF"/>
-                </a:solidFill>
-              </a14:hiddenFill>
-            </a:ext>
-            <a:ext uri="{91240B29-F687-4F45-9708-019B960494DF}">
-              <a14:hiddenLine xmlns:a14="http://schemas.microsoft.com/office/drawing/2010/main" w="9525">
-                <a:solidFill>
-                  <a:srgbClr val="000000"/>
-                </a:solidFill>
-                <a:miter lim="800000"/>
-                <a:headEnd/>
-                <a:tailEnd/>
-              </a14:hiddenLine>
-            </a:ext>
-          </a:extLst>
         </p:spPr>
       </p:pic>
       <p:sp>
@@ -19110,10 +19013,7 @@
           </a:ln>
         </p:spPr>
         <p:txBody>
-          <a:bodyPr vert="horz" wrap="square" lIns="91440" tIns="45720" rIns="91440" bIns="45720" numCol="1" rtlCol="0" anchor="ctr" anchorCtr="0" compatLnSpc="1">
-            <a:prstTxWarp prst="textNoShape">
-              <a:avLst/>
-            </a:prstTxWarp>
+          <a:bodyPr anchor="ctr">
             <a:normAutofit fontScale="90000" lnSpcReduction="10000"/>
           </a:bodyPr>
           <a:lstStyle>
@@ -19234,11 +19134,6 @@
         </p:txBody>
       </p:sp>
     </p:spTree>
-    <p:extLst>
-      <p:ext uri="{BB962C8B-B14F-4D97-AF65-F5344CB8AC3E}">
-        <p14:creationId xmlns:p14="http://schemas.microsoft.com/office/powerpoint/2010/main" val="3241885649"/>
-      </p:ext>
-    </p:extLst>
   </p:cSld>
   <p:clrMapOvr>
     <a:masterClrMapping/>
@@ -19285,18 +19180,13 @@
           <a:p>
             <a:pPr eaLnBrk="1" hangingPunct="1"/>
             <a:r>
-              <a:rPr lang="es-PE" sz="4000" b="1" dirty="0" smtClean="0">
+              <a:rPr lang="es-PE" sz="4000" b="1" smtClean="0">
                 <a:solidFill>
                   <a:schemeClr val="tx2"/>
                 </a:solidFill>
               </a:rPr>
               <a:t>DIAGRAMA DE CASOS DE USO DEL SISTEMA POR PAQUETE</a:t>
             </a:r>
-            <a:endParaRPr lang="es-PE" sz="4000" b="1" dirty="0">
-              <a:solidFill>
-                <a:schemeClr val="tx2"/>
-              </a:solidFill>
-            </a:endParaRPr>
           </a:p>
         </p:txBody>
       </p:sp>
@@ -19358,20 +19248,14 @@
       </p:sp>
       <p:pic>
         <p:nvPicPr>
-          <p:cNvPr id="3074" name="Imagen 5"/>
+          <p:cNvPr id="39938" name="Imagen 5"/>
           <p:cNvPicPr>
             <a:picLocks noChangeAspect="1" noChangeArrowheads="1"/>
           </p:cNvPicPr>
           <p:nvPr/>
         </p:nvPicPr>
         <p:blipFill>
-          <a:blip r:embed="rId2">
-            <a:extLst>
-              <a:ext uri="{28A0092B-C50C-407E-A947-70E740481C1C}">
-                <a14:useLocalDpi xmlns:a14="http://schemas.microsoft.com/office/drawing/2010/main" val="0"/>
-              </a:ext>
-            </a:extLst>
-          </a:blip>
+          <a:blip r:embed="rId2"/>
           <a:srcRect/>
           <a:stretch>
             <a:fillRect/>
@@ -19379,35 +19263,19 @@
         </p:blipFill>
         <p:spPr bwMode="auto">
           <a:xfrm>
-            <a:off x="2291308" y="1556792"/>
-            <a:ext cx="4368924" cy="5063676"/>
+            <a:off x="2290763" y="1557338"/>
+            <a:ext cx="4368800" cy="5062537"/>
           </a:xfrm>
           <a:prstGeom prst="rect">
             <a:avLst/>
           </a:prstGeom>
           <a:noFill/>
-          <a:ln>
+          <a:ln w="9525">
             <a:noFill/>
+            <a:miter lim="800000"/>
+            <a:headEnd/>
+            <a:tailEnd/>
           </a:ln>
-          <a:extLst>
-            <a:ext uri="{909E8E84-426E-40DD-AFC4-6F175D3DCCD1}">
-              <a14:hiddenFill xmlns:a14="http://schemas.microsoft.com/office/drawing/2010/main">
-                <a:solidFill>
-                  <a:srgbClr val="FFFFFF"/>
-                </a:solidFill>
-              </a14:hiddenFill>
-            </a:ext>
-            <a:ext uri="{91240B29-F687-4F45-9708-019B960494DF}">
-              <a14:hiddenLine xmlns:a14="http://schemas.microsoft.com/office/drawing/2010/main" w="9525">
-                <a:solidFill>
-                  <a:srgbClr val="000000"/>
-                </a:solidFill>
-                <a:miter lim="800000"/>
-                <a:headEnd/>
-                <a:tailEnd/>
-              </a14:hiddenLine>
-            </a:ext>
-          </a:extLst>
         </p:spPr>
       </p:pic>
     </p:spTree>
@@ -19444,7 +19312,7 @@
       </p:grpSpPr>
       <p:sp>
         <p:nvSpPr>
-          <p:cNvPr id="20481" name="2 Título"/>
+          <p:cNvPr id="16385" name="2 Título"/>
           <p:cNvSpPr>
             <a:spLocks noGrp="1"/>
           </p:cNvSpPr>
@@ -19464,7 +19332,7 @@
           <a:p>
             <a:pPr eaLnBrk="1" hangingPunct="1"/>
             <a:r>
-              <a:rPr lang="es-PE" b="1" dirty="0" smtClean="0">
+              <a:rPr lang="es-PE" b="1" smtClean="0">
                 <a:solidFill>
                   <a:schemeClr val="tx2"/>
                 </a:solidFill>
@@ -19475,11 +19343,6 @@
         </p:txBody>
       </p:sp>
     </p:spTree>
-    <p:extLst>
-      <p:ext uri="{BB962C8B-B14F-4D97-AF65-F5344CB8AC3E}">
-        <p14:creationId xmlns:p14="http://schemas.microsoft.com/office/powerpoint/2010/main" val="545255694"/>
-      </p:ext>
-    </p:extLst>
   </p:cSld>
   <p:clrMapOvr>
     <a:masterClrMapping/>
@@ -19537,20 +19400,14 @@
       </p:sp>
       <p:pic>
         <p:nvPicPr>
-          <p:cNvPr id="4098" name="Imagen 6"/>
+          <p:cNvPr id="40962" name="Imagen 6"/>
           <p:cNvPicPr>
             <a:picLocks noChangeAspect="1" noChangeArrowheads="1"/>
           </p:cNvPicPr>
           <p:nvPr/>
         </p:nvPicPr>
         <p:blipFill>
-          <a:blip r:embed="rId2">
-            <a:extLst>
-              <a:ext uri="{28A0092B-C50C-407E-A947-70E740481C1C}">
-                <a14:useLocalDpi xmlns:a14="http://schemas.microsoft.com/office/drawing/2010/main" val="0"/>
-              </a:ext>
-            </a:extLst>
-          </a:blip>
+          <a:blip r:embed="rId2"/>
           <a:srcRect/>
           <a:stretch>
             <a:fillRect/>
@@ -19558,43 +19415,22 @@
         </p:blipFill>
         <p:spPr bwMode="auto">
           <a:xfrm>
-            <a:off x="1910804" y="1556792"/>
+            <a:off x="1911350" y="1557338"/>
             <a:ext cx="5397500" cy="5054600"/>
           </a:xfrm>
           <a:prstGeom prst="rect">
             <a:avLst/>
           </a:prstGeom>
           <a:noFill/>
-          <a:ln>
+          <a:ln w="9525">
             <a:noFill/>
+            <a:miter lim="800000"/>
+            <a:headEnd/>
+            <a:tailEnd/>
           </a:ln>
-          <a:extLst>
-            <a:ext uri="{909E8E84-426E-40DD-AFC4-6F175D3DCCD1}">
-              <a14:hiddenFill xmlns:a14="http://schemas.microsoft.com/office/drawing/2010/main">
-                <a:solidFill>
-                  <a:srgbClr val="FFFFFF"/>
-                </a:solidFill>
-              </a14:hiddenFill>
-            </a:ext>
-            <a:ext uri="{91240B29-F687-4F45-9708-019B960494DF}">
-              <a14:hiddenLine xmlns:a14="http://schemas.microsoft.com/office/drawing/2010/main" w="9525">
-                <a:solidFill>
-                  <a:srgbClr val="000000"/>
-                </a:solidFill>
-                <a:miter lim="800000"/>
-                <a:headEnd/>
-                <a:tailEnd/>
-              </a14:hiddenLine>
-            </a:ext>
-          </a:extLst>
         </p:spPr>
       </p:pic>
     </p:spTree>
-    <p:extLst>
-      <p:ext uri="{BB962C8B-B14F-4D97-AF65-F5344CB8AC3E}">
-        <p14:creationId xmlns:p14="http://schemas.microsoft.com/office/powerpoint/2010/main" val="747169581"/>
-      </p:ext>
-    </p:extLst>
   </p:cSld>
   <p:clrMapOvr>
     <a:masterClrMapping/>
@@ -19659,20 +19495,14 @@
       </p:sp>
       <p:pic>
         <p:nvPicPr>
-          <p:cNvPr id="5122" name="Imagen 7"/>
+          <p:cNvPr id="41986" name="Imagen 7"/>
           <p:cNvPicPr>
             <a:picLocks noChangeAspect="1" noChangeArrowheads="1"/>
           </p:cNvPicPr>
           <p:nvPr/>
         </p:nvPicPr>
         <p:blipFill>
-          <a:blip r:embed="rId2">
-            <a:extLst>
-              <a:ext uri="{28A0092B-C50C-407E-A947-70E740481C1C}">
-                <a14:useLocalDpi xmlns:a14="http://schemas.microsoft.com/office/drawing/2010/main" val="0"/>
-              </a:ext>
-            </a:extLst>
-          </a:blip>
+          <a:blip r:embed="rId2"/>
           <a:srcRect/>
           <a:stretch>
             <a:fillRect/>
@@ -19680,43 +19510,22 @@
         </p:blipFill>
         <p:spPr bwMode="auto">
           <a:xfrm>
-            <a:off x="1954757" y="2636912"/>
-            <a:ext cx="5007003" cy="2773340"/>
+            <a:off x="1954213" y="2636838"/>
+            <a:ext cx="5006975" cy="2773362"/>
           </a:xfrm>
           <a:prstGeom prst="rect">
             <a:avLst/>
           </a:prstGeom>
           <a:noFill/>
-          <a:ln>
+          <a:ln w="9525">
             <a:noFill/>
+            <a:miter lim="800000"/>
+            <a:headEnd/>
+            <a:tailEnd/>
           </a:ln>
-          <a:extLst>
-            <a:ext uri="{909E8E84-426E-40DD-AFC4-6F175D3DCCD1}">
-              <a14:hiddenFill xmlns:a14="http://schemas.microsoft.com/office/drawing/2010/main">
-                <a:solidFill>
-                  <a:srgbClr val="FFFFFF"/>
-                </a:solidFill>
-              </a14:hiddenFill>
-            </a:ext>
-            <a:ext uri="{91240B29-F687-4F45-9708-019B960494DF}">
-              <a14:hiddenLine xmlns:a14="http://schemas.microsoft.com/office/drawing/2010/main" w="9525">
-                <a:solidFill>
-                  <a:srgbClr val="000000"/>
-                </a:solidFill>
-                <a:miter lim="800000"/>
-                <a:headEnd/>
-                <a:tailEnd/>
-              </a14:hiddenLine>
-            </a:ext>
-          </a:extLst>
         </p:spPr>
       </p:pic>
     </p:spTree>
-    <p:extLst>
-      <p:ext uri="{BB962C8B-B14F-4D97-AF65-F5344CB8AC3E}">
-        <p14:creationId xmlns:p14="http://schemas.microsoft.com/office/powerpoint/2010/main" val="2539408475"/>
-      </p:ext>
-    </p:extLst>
   </p:cSld>
   <p:clrMapOvr>
     <a:masterClrMapping/>
@@ -19750,7 +19559,7 @@
       </p:grpSpPr>
       <p:sp>
         <p:nvSpPr>
-          <p:cNvPr id="3" name="2 Título"/>
+          <p:cNvPr id="43009" name="2 Título"/>
           <p:cNvSpPr>
             <a:spLocks noGrp="1"/>
           </p:cNvSpPr>
@@ -19760,41 +19569,27 @@
         </p:nvSpPr>
         <p:spPr/>
         <p:txBody>
-          <a:bodyPr rtlCol="0">
-            <a:normAutofit/>
-          </a:bodyPr>
+          <a:bodyPr/>
           <a:lstStyle/>
           <a:p>
-            <a:pPr eaLnBrk="1" fontAlgn="auto" hangingPunct="1">
-              <a:spcAft>
-                <a:spcPts val="0"/>
-              </a:spcAft>
-              <a:defRPr/>
-            </a:pPr>
+            <a:pPr eaLnBrk="1" hangingPunct="1"/>
             <a:r>
-              <a:rPr lang="es-PE" dirty="0" smtClean="0"/>
+              <a:rPr lang="es-PE" smtClean="0"/>
               <a:t>PAQUETE – SEGURIDAD</a:t>
             </a:r>
-            <a:endParaRPr lang="es-PE" dirty="0"/>
           </a:p>
         </p:txBody>
       </p:sp>
       <p:pic>
         <p:nvPicPr>
-          <p:cNvPr id="6146" name="Imagen 8"/>
+          <p:cNvPr id="43012" name="Picture 4"/>
           <p:cNvPicPr>
             <a:picLocks noChangeAspect="1" noChangeArrowheads="1"/>
           </p:cNvPicPr>
           <p:nvPr/>
         </p:nvPicPr>
         <p:blipFill>
-          <a:blip r:embed="rId2">
-            <a:extLst>
-              <a:ext uri="{28A0092B-C50C-407E-A947-70E740481C1C}">
-                <a14:useLocalDpi xmlns:a14="http://schemas.microsoft.com/office/drawing/2010/main" val="0"/>
-              </a:ext>
-            </a:extLst>
-          </a:blip>
+          <a:blip r:embed="rId2"/>
           <a:srcRect/>
           <a:stretch>
             <a:fillRect/>
@@ -19802,43 +19597,23 @@
         </p:blipFill>
         <p:spPr bwMode="auto">
           <a:xfrm>
-            <a:off x="1678094" y="1628800"/>
-            <a:ext cx="5774226" cy="5040560"/>
+            <a:off x="395288" y="1844675"/>
+            <a:ext cx="8569325" cy="4140200"/>
           </a:xfrm>
           <a:prstGeom prst="rect">
             <a:avLst/>
           </a:prstGeom>
           <a:noFill/>
-          <a:ln>
+          <a:ln w="9525">
             <a:noFill/>
+            <a:miter lim="800000"/>
+            <a:headEnd/>
+            <a:tailEnd/>
           </a:ln>
-          <a:extLst>
-            <a:ext uri="{909E8E84-426E-40DD-AFC4-6F175D3DCCD1}">
-              <a14:hiddenFill xmlns:a14="http://schemas.microsoft.com/office/drawing/2010/main">
-                <a:solidFill>
-                  <a:srgbClr val="FFFFFF"/>
-                </a:solidFill>
-              </a14:hiddenFill>
-            </a:ext>
-            <a:ext uri="{91240B29-F687-4F45-9708-019B960494DF}">
-              <a14:hiddenLine xmlns:a14="http://schemas.microsoft.com/office/drawing/2010/main" w="9525">
-                <a:solidFill>
-                  <a:srgbClr val="000000"/>
-                </a:solidFill>
-                <a:miter lim="800000"/>
-                <a:headEnd/>
-                <a:tailEnd/>
-              </a14:hiddenLine>
-            </a:ext>
-          </a:extLst>
+          <a:effectLst/>
         </p:spPr>
       </p:pic>
     </p:spTree>
-    <p:extLst>
-      <p:ext uri="{BB962C8B-B14F-4D97-AF65-F5344CB8AC3E}">
-        <p14:creationId xmlns:p14="http://schemas.microsoft.com/office/powerpoint/2010/main" val="1931043802"/>
-      </p:ext>
-    </p:extLst>
   </p:cSld>
   <p:clrMapOvr>
     <a:masterClrMapping/>
@@ -19872,7 +19647,7 @@
       </p:grpSpPr>
       <p:sp>
         <p:nvSpPr>
-          <p:cNvPr id="43009" name="2 Título"/>
+          <p:cNvPr id="44033" name="2 Título"/>
           <p:cNvSpPr>
             <a:spLocks noGrp="1"/>
           </p:cNvSpPr>
@@ -19892,7 +19667,7 @@
           <a:p>
             <a:pPr eaLnBrk="1" hangingPunct="1"/>
             <a:r>
-              <a:rPr lang="es-PE" sz="4000" b="1" dirty="0" smtClean="0">
+              <a:rPr lang="es-PE" sz="4000" b="1" smtClean="0">
                 <a:solidFill>
                   <a:schemeClr val="tx2"/>
                 </a:solidFill>
@@ -19959,10 +19734,7 @@
           </a:ln>
         </p:spPr>
         <p:txBody>
-          <a:bodyPr vert="horz" wrap="square" lIns="91440" tIns="45720" rIns="91440" bIns="45720" numCol="1" rtlCol="0" anchor="ctr" anchorCtr="0" compatLnSpc="1">
-            <a:prstTxWarp prst="textNoShape">
-              <a:avLst/>
-            </a:prstTxWarp>
+          <a:bodyPr anchor="ctr">
             <a:normAutofit fontScale="92500" lnSpcReduction="10000"/>
           </a:bodyPr>
           <a:lstStyle>
@@ -20088,17 +19860,11 @@
           <p:cNvGraphicFramePr>
             <a:graphicFrameLocks noGrp="1"/>
           </p:cNvGraphicFramePr>
-          <p:nvPr>
-            <p:extLst>
-              <p:ext uri="{D42A27DB-BD31-4B8C-83A1-F6EECF244321}">
-                <p14:modId xmlns:p14="http://schemas.microsoft.com/office/powerpoint/2010/main" val="3172003028"/>
-              </p:ext>
-            </p:extLst>
-          </p:nvPr>
+          <p:nvPr/>
         </p:nvGraphicFramePr>
         <p:xfrm>
-          <a:off x="251520" y="2204864"/>
-          <a:ext cx="8640960" cy="4413063"/>
+          <a:off x="250825" y="2205038"/>
+          <a:ext cx="8642350" cy="4413250"/>
         </p:xfrm>
         <a:graphic>
           <a:graphicData uri="http://schemas.openxmlformats.org/drawingml/2006/table">
@@ -21585,11 +21351,6 @@
         </a:graphic>
       </p:graphicFrame>
     </p:spTree>
-    <p:extLst>
-      <p:ext uri="{BB962C8B-B14F-4D97-AF65-F5344CB8AC3E}">
-        <p14:creationId xmlns:p14="http://schemas.microsoft.com/office/powerpoint/2010/main" val="4169349020"/>
-      </p:ext>
-    </p:extLst>
   </p:cSld>
   <p:clrMapOvr>
     <a:masterClrMapping/>
@@ -21639,10 +21400,7 @@
           </a:ln>
         </p:spPr>
         <p:txBody>
-          <a:bodyPr vert="horz" wrap="square" lIns="91440" tIns="45720" rIns="91440" bIns="45720" numCol="1" rtlCol="0" anchor="ctr" anchorCtr="0" compatLnSpc="1">
-            <a:prstTxWarp prst="textNoShape">
-              <a:avLst/>
-            </a:prstTxWarp>
+          <a:bodyPr anchor="ctr">
             <a:normAutofit fontScale="92500" lnSpcReduction="10000"/>
           </a:bodyPr>
           <a:lstStyle>
@@ -21768,17 +21526,11 @@
           <p:cNvGraphicFramePr>
             <a:graphicFrameLocks noGrp="1"/>
           </p:cNvGraphicFramePr>
-          <p:nvPr>
-            <p:extLst>
-              <p:ext uri="{D42A27DB-BD31-4B8C-83A1-F6EECF244321}">
-                <p14:modId xmlns:p14="http://schemas.microsoft.com/office/powerpoint/2010/main" val="143741256"/>
-              </p:ext>
-            </p:extLst>
-          </p:nvPr>
+          <p:nvPr/>
         </p:nvGraphicFramePr>
         <p:xfrm>
-          <a:off x="251520" y="2204864"/>
-          <a:ext cx="8640960" cy="4413063"/>
+          <a:off x="250825" y="2205038"/>
+          <a:ext cx="8642350" cy="4413250"/>
         </p:xfrm>
         <a:graphic>
           <a:graphicData uri="http://schemas.openxmlformats.org/drawingml/2006/table">
@@ -23315,11 +23067,6 @@
         </a:graphic>
       </p:graphicFrame>
     </p:spTree>
-    <p:extLst>
-      <p:ext uri="{BB962C8B-B14F-4D97-AF65-F5344CB8AC3E}">
-        <p14:creationId xmlns:p14="http://schemas.microsoft.com/office/powerpoint/2010/main" val="3022253212"/>
-      </p:ext>
-    </p:extLst>
   </p:cSld>
   <p:clrMapOvr>
     <a:masterClrMapping/>
@@ -23369,10 +23116,7 @@
           </a:ln>
         </p:spPr>
         <p:txBody>
-          <a:bodyPr vert="horz" wrap="square" lIns="91440" tIns="45720" rIns="91440" bIns="45720" numCol="1" rtlCol="0" anchor="ctr" anchorCtr="0" compatLnSpc="1">
-            <a:prstTxWarp prst="textNoShape">
-              <a:avLst/>
-            </a:prstTxWarp>
+          <a:bodyPr anchor="ctr">
             <a:normAutofit fontScale="92500" lnSpcReduction="10000"/>
           </a:bodyPr>
           <a:lstStyle>
@@ -23498,17 +23242,11 @@
           <p:cNvGraphicFramePr>
             <a:graphicFrameLocks noGrp="1"/>
           </p:cNvGraphicFramePr>
-          <p:nvPr>
-            <p:extLst>
-              <p:ext uri="{D42A27DB-BD31-4B8C-83A1-F6EECF244321}">
-                <p14:modId xmlns:p14="http://schemas.microsoft.com/office/powerpoint/2010/main" val="3920012517"/>
-              </p:ext>
-            </p:extLst>
-          </p:nvPr>
+          <p:nvPr/>
         </p:nvGraphicFramePr>
         <p:xfrm>
-          <a:off x="251520" y="2204864"/>
-          <a:ext cx="8640960" cy="3806138"/>
+          <a:off x="250825" y="2205038"/>
+          <a:ext cx="8642350" cy="3805237"/>
         </p:xfrm>
         <a:graphic>
           <a:graphicData uri="http://schemas.openxmlformats.org/drawingml/2006/table">
@@ -24794,11 +24532,6 @@
         </a:graphic>
       </p:graphicFrame>
     </p:spTree>
-    <p:extLst>
-      <p:ext uri="{BB962C8B-B14F-4D97-AF65-F5344CB8AC3E}">
-        <p14:creationId xmlns:p14="http://schemas.microsoft.com/office/powerpoint/2010/main" val="1776442448"/>
-      </p:ext>
-    </p:extLst>
   </p:cSld>
   <p:clrMapOvr>
     <a:masterClrMapping/>
@@ -24825,7 +24558,7 @@
       </p:grpSpPr>
       <p:sp>
         <p:nvSpPr>
-          <p:cNvPr id="44033" name="2 Título"/>
+          <p:cNvPr id="48129" name="2 Título"/>
           <p:cNvSpPr>
             <a:spLocks noGrp="1"/>
           </p:cNvSpPr>
@@ -24845,7 +24578,7 @@
           <a:p>
             <a:pPr eaLnBrk="1" hangingPunct="1"/>
             <a:r>
-              <a:rPr lang="es-PE" sz="4000" b="1" dirty="0" smtClean="0">
+              <a:rPr lang="es-PE" sz="4000" b="1" smtClean="0">
                 <a:solidFill>
                   <a:schemeClr val="tx2"/>
                 </a:solidFill>
@@ -24882,16 +24615,16 @@
       </p:grpSpPr>
       <p:sp>
         <p:nvSpPr>
-          <p:cNvPr id="3" name="2 Título"/>
+          <p:cNvPr id="61443" name="Text Box 3"/>
           <p:cNvSpPr txBox="1">
-            <a:spLocks/>
+            <a:spLocks noChangeArrowheads="1"/>
           </p:cNvSpPr>
           <p:nvPr/>
         </p:nvSpPr>
         <p:spPr bwMode="auto">
           <a:xfrm>
-            <a:off x="457200" y="338138"/>
-            <a:ext cx="8229600" cy="1252537"/>
+            <a:off x="539750" y="692150"/>
+            <a:ext cx="4032250" cy="5035550"/>
           </a:xfrm>
           <a:prstGeom prst="rect">
             <a:avLst/>
@@ -24903,128 +24636,135 @@
             <a:headEnd/>
             <a:tailEnd/>
           </a:ln>
+          <a:effectLst/>
         </p:spPr>
         <p:txBody>
-          <a:bodyPr vert="horz" wrap="square" lIns="91440" tIns="45720" rIns="91440" bIns="45720" numCol="1" rtlCol="0" anchor="ctr" anchorCtr="0" compatLnSpc="1">
-            <a:prstTxWarp prst="textNoShape">
-              <a:avLst/>
-            </a:prstTxWarp>
-            <a:normAutofit/>
+          <a:bodyPr>
+            <a:spAutoFit/>
           </a:bodyPr>
-          <a:lstStyle>
-            <a:lvl1pPr algn="ctr" rtl="0" eaLnBrk="0" fontAlgn="base" hangingPunct="0">
-              <a:spcBef>
-                <a:spcPct val="0"/>
-              </a:spcBef>
-              <a:spcAft>
-                <a:spcPct val="0"/>
-              </a:spcAft>
-              <a:defRPr sz="4400" kern="1200">
-                <a:solidFill>
-                  <a:srgbClr val="FFFFFF"/>
-                </a:solidFill>
-                <a:latin typeface="+mj-lt"/>
-                <a:ea typeface="+mj-ea"/>
-                <a:cs typeface="+mj-cs"/>
-              </a:defRPr>
-            </a:lvl1pPr>
-            <a:lvl2pPr algn="ctr" rtl="0" eaLnBrk="0" fontAlgn="base" hangingPunct="0">
-              <a:spcBef>
-                <a:spcPct val="0"/>
-              </a:spcBef>
-              <a:spcAft>
-                <a:spcPct val="0"/>
-              </a:spcAft>
-              <a:defRPr sz="4400">
-                <a:solidFill>
-                  <a:srgbClr val="FFFFFF"/>
-                </a:solidFill>
-                <a:latin typeface="Candara" pitchFamily="34" charset="0"/>
-              </a:defRPr>
-            </a:lvl2pPr>
-            <a:lvl3pPr algn="ctr" rtl="0" eaLnBrk="0" fontAlgn="base" hangingPunct="0">
-              <a:spcBef>
-                <a:spcPct val="0"/>
-              </a:spcBef>
-              <a:spcAft>
-                <a:spcPct val="0"/>
-              </a:spcAft>
-              <a:defRPr sz="4400">
-                <a:solidFill>
-                  <a:srgbClr val="FFFFFF"/>
-                </a:solidFill>
-                <a:latin typeface="Candara" pitchFamily="34" charset="0"/>
-              </a:defRPr>
-            </a:lvl3pPr>
-            <a:lvl4pPr algn="ctr" rtl="0" eaLnBrk="0" fontAlgn="base" hangingPunct="0">
-              <a:spcBef>
-                <a:spcPct val="0"/>
-              </a:spcBef>
-              <a:spcAft>
-                <a:spcPct val="0"/>
-              </a:spcAft>
-              <a:defRPr sz="4400">
-                <a:solidFill>
-                  <a:srgbClr val="FFFFFF"/>
-                </a:solidFill>
-                <a:latin typeface="Candara" pitchFamily="34" charset="0"/>
-              </a:defRPr>
-            </a:lvl4pPr>
-            <a:lvl5pPr algn="ctr" rtl="0" eaLnBrk="0" fontAlgn="base" hangingPunct="0">
-              <a:spcBef>
-                <a:spcPct val="0"/>
-              </a:spcBef>
-              <a:spcAft>
-                <a:spcPct val="0"/>
-              </a:spcAft>
-              <a:defRPr sz="4400">
-                <a:solidFill>
-                  <a:srgbClr val="FFFFFF"/>
-                </a:solidFill>
-                <a:latin typeface="Candara" pitchFamily="34" charset="0"/>
-              </a:defRPr>
-            </a:lvl5pPr>
-            <a:lvl6pPr eaLnBrk="1" hangingPunct="1">
-              <a:defRPr>
-                <a:solidFill>
-                  <a:schemeClr val="tx2"/>
-                </a:solidFill>
-              </a:defRPr>
-            </a:lvl6pPr>
-            <a:lvl7pPr eaLnBrk="1" hangingPunct="1">
-              <a:defRPr>
-                <a:solidFill>
-                  <a:schemeClr val="tx2"/>
-                </a:solidFill>
-              </a:defRPr>
-            </a:lvl7pPr>
-            <a:lvl8pPr eaLnBrk="1" hangingPunct="1">
-              <a:defRPr>
-                <a:solidFill>
-                  <a:schemeClr val="tx2"/>
-                </a:solidFill>
-              </a:defRPr>
-            </a:lvl8pPr>
-            <a:lvl9pPr eaLnBrk="1" hangingPunct="1">
-              <a:defRPr>
-                <a:solidFill>
-                  <a:schemeClr val="tx2"/>
-                </a:solidFill>
-              </a:defRPr>
-            </a:lvl9pPr>
-          </a:lstStyle>
+          <a:lstStyle/>
           <a:p>
-            <a:pPr eaLnBrk="1" fontAlgn="auto" hangingPunct="1">
-              <a:spcAft>
-                <a:spcPts val="0"/>
-              </a:spcAft>
-              <a:defRPr/>
-            </a:pPr>
             <a:r>
-              <a:rPr lang="es-PE" dirty="0" smtClean="0"/>
-              <a:t>BENCHMARKING</a:t>
+              <a:rPr lang="es-ES" altLang="zh-CN" b="1" i="1">
+                <a:ea typeface="宋体" charset="-122"/>
+              </a:rPr>
+              <a:t>Solución 1: </a:t>
             </a:r>
-            <a:endParaRPr lang="es-PE" dirty="0"/>
+            <a:endParaRPr lang="es-PE" altLang="zh-CN">
+              <a:ea typeface="宋体" charset="-122"/>
+            </a:endParaRPr>
+          </a:p>
+          <a:p>
+            <a:r>
+              <a:rPr lang="es-PE" altLang="zh-CN">
+                <a:ea typeface="宋体" charset="-122"/>
+              </a:rPr>
+              <a:t>SupportCenter Plus</a:t>
+            </a:r>
+            <a:r>
+              <a:rPr lang="es-ES" altLang="zh-CN">
+                <a:ea typeface="宋体" charset="-122"/>
+              </a:rPr>
+              <a:t> permite definir una serie de tarifas y tiempo estimado que durará la ejecución del contrato lo cual nos permitirá determinar con mayor exactitud el   costo del contrato, además de poder establecer planes para realizar un correcto seguimiento de los contratos y en caso un contrato este por finalizar esta solución enviará notificaciones indicándolo.</a:t>
+            </a:r>
+          </a:p>
+          <a:p>
+            <a:r>
+              <a:rPr lang="es-ES" altLang="zh-CN" b="1">
+                <a:ea typeface="宋体" charset="-122"/>
+              </a:rPr>
+              <a:t>Beneficios</a:t>
+            </a:r>
+          </a:p>
+          <a:p>
+            <a:r>
+              <a:rPr lang="es-PE"/>
+              <a:t>Utilizar el SLA a fin de determinar el tiempo que durará en realizar el servicio estipulado en el contrato.</a:t>
+            </a:r>
+          </a:p>
+          <a:p>
+            <a:r>
+              <a:rPr lang="es-PE"/>
+              <a:t>Permite definir planes a fin de realizar un correcto seguimiento del contrato.</a:t>
+            </a:r>
+            <a:endParaRPr lang="es-ES"/>
+          </a:p>
+        </p:txBody>
+      </p:sp>
+      <p:sp>
+        <p:nvSpPr>
+          <p:cNvPr id="61444" name="Text Box 4"/>
+          <p:cNvSpPr txBox="1">
+            <a:spLocks noChangeArrowheads="1"/>
+          </p:cNvSpPr>
+          <p:nvPr/>
+        </p:nvSpPr>
+        <p:spPr bwMode="auto">
+          <a:xfrm>
+            <a:off x="4716463" y="404813"/>
+            <a:ext cx="4032250" cy="6408737"/>
+          </a:xfrm>
+          <a:prstGeom prst="rect">
+            <a:avLst/>
+          </a:prstGeom>
+          <a:noFill/>
+          <a:ln w="9525">
+            <a:noFill/>
+            <a:miter lim="800000"/>
+            <a:headEnd/>
+            <a:tailEnd/>
+          </a:ln>
+          <a:effectLst/>
+        </p:spPr>
+        <p:txBody>
+          <a:bodyPr>
+            <a:spAutoFit/>
+          </a:bodyPr>
+          <a:lstStyle/>
+          <a:p>
+            <a:r>
+              <a:rPr lang="es-ES" altLang="zh-CN" b="1" i="1">
+                <a:ea typeface="宋体" charset="-122"/>
+              </a:rPr>
+              <a:t>Solución 2: </a:t>
+            </a:r>
+            <a:endParaRPr lang="es-ES" altLang="zh-CN" b="1">
+              <a:ea typeface="宋体" charset="-122"/>
+            </a:endParaRPr>
+          </a:p>
+          <a:p>
+            <a:r>
+              <a:rPr lang="es-ES" altLang="zh-CN">
+                <a:ea typeface="宋体" charset="-122"/>
+              </a:rPr>
+              <a:t>SAP Service and Asset Management es una solución que proporciona lo necesario para el manejo de los SLA  que va desde su registro hasta su gestión, además de llevar un control en el ciclo de vida los contratos a fin de verificar el rendimiento que están teniendo estos en su ejecución y establecer planes para cada uno de los servicios con los que dispongamos.</a:t>
+            </a:r>
+          </a:p>
+          <a:p>
+            <a:r>
+              <a:rPr lang="es-ES" altLang="zh-CN" b="1">
+                <a:ea typeface="宋体" charset="-122"/>
+              </a:rPr>
+              <a:t>Beneficios</a:t>
+            </a:r>
+          </a:p>
+          <a:p>
+            <a:r>
+              <a:rPr lang="es-ES"/>
+              <a:t>Permite crear un contrato acorde con el SLA.</a:t>
+            </a:r>
+          </a:p>
+          <a:p>
+            <a:r>
+              <a:rPr lang="es-ES"/>
+              <a:t>Controlar la evolución del contrato en base a su rendimiento a fin de tomar medidas correctivas en caso lo requiera.</a:t>
+            </a:r>
+          </a:p>
+          <a:p>
+            <a:r>
+              <a:rPr lang="es-ES"/>
+              <a:t>Establecer planes de servicio los cuales pueden ser usados a fin de crear un contrato más preciso al servicio que ofrecemos. </a:t>
+            </a:r>
           </a:p>
         </p:txBody>
       </p:sp>
@@ -25055,7 +24795,422 @@
       </p:grpSpPr>
       <p:sp>
         <p:nvSpPr>
-          <p:cNvPr id="58370" name="2 Título"/>
+          <p:cNvPr id="49153" name="2 Título"/>
+          <p:cNvSpPr txBox="1">
+            <a:spLocks/>
+          </p:cNvSpPr>
+          <p:nvPr/>
+        </p:nvSpPr>
+        <p:spPr bwMode="auto">
+          <a:xfrm>
+            <a:off x="519113" y="338138"/>
+            <a:ext cx="8229600" cy="569912"/>
+          </a:xfrm>
+          <a:prstGeom prst="rect">
+            <a:avLst/>
+          </a:prstGeom>
+          <a:noFill/>
+          <a:ln w="9525">
+            <a:noFill/>
+            <a:miter lim="800000"/>
+            <a:headEnd/>
+            <a:tailEnd/>
+          </a:ln>
+        </p:spPr>
+        <p:txBody>
+          <a:bodyPr anchor="ctr"/>
+          <a:lstStyle/>
+          <a:p>
+            <a:pPr algn="ctr"/>
+            <a:r>
+              <a:rPr lang="es-PE" sz="4400">
+                <a:solidFill>
+                  <a:srgbClr val="FFFFFF"/>
+                </a:solidFill>
+                <a:latin typeface="Candara" pitchFamily="34" charset="0"/>
+              </a:rPr>
+              <a:t>BENCHMARKING</a:t>
+            </a:r>
+          </a:p>
+        </p:txBody>
+      </p:sp>
+      <p:pic>
+        <p:nvPicPr>
+          <p:cNvPr id="49155" name="Picture 3"/>
+          <p:cNvPicPr>
+            <a:picLocks noChangeAspect="1" noChangeArrowheads="1"/>
+          </p:cNvPicPr>
+          <p:nvPr/>
+        </p:nvPicPr>
+        <p:blipFill>
+          <a:blip r:embed="rId2"/>
+          <a:srcRect/>
+          <a:stretch>
+            <a:fillRect/>
+          </a:stretch>
+        </p:blipFill>
+        <p:spPr bwMode="auto">
+          <a:xfrm>
+            <a:off x="873125" y="944563"/>
+            <a:ext cx="7515225" cy="5724525"/>
+          </a:xfrm>
+          <a:prstGeom prst="rect">
+            <a:avLst/>
+          </a:prstGeom>
+          <a:noFill/>
+          <a:ln w="9525">
+            <a:noFill/>
+            <a:miter lim="800000"/>
+            <a:headEnd/>
+            <a:tailEnd/>
+          </a:ln>
+          <a:effectLst/>
+        </p:spPr>
+      </p:pic>
+    </p:spTree>
+  </p:cSld>
+  <p:clrMapOvr>
+    <a:masterClrMapping/>
+  </p:clrMapOvr>
+</p:sld>
+</file>
+
+<file path=ppt/slides/slide3.xml><?xml version="1.0" encoding="utf-8"?>
+<p:sld xmlns:a="http://schemas.openxmlformats.org/drawingml/2006/main" xmlns:r="http://schemas.openxmlformats.org/officeDocument/2006/relationships" xmlns:p="http://schemas.openxmlformats.org/presentationml/2006/main">
+  <p:cSld>
+    <p:spTree>
+      <p:nvGrpSpPr>
+        <p:cNvPr id="1" name=""/>
+        <p:cNvGrpSpPr/>
+        <p:nvPr/>
+      </p:nvGrpSpPr>
+      <p:grpSpPr>
+        <a:xfrm>
+          <a:off x="0" y="0"/>
+          <a:ext cx="0" cy="0"/>
+          <a:chOff x="0" y="0"/>
+          <a:chExt cx="0" cy="0"/>
+        </a:xfrm>
+      </p:grpSpPr>
+      <p:sp>
+        <p:nvSpPr>
+          <p:cNvPr id="17409" name="2 Título"/>
+          <p:cNvSpPr>
+            <a:spLocks noGrp="1"/>
+          </p:cNvSpPr>
+          <p:nvPr>
+            <p:ph type="title" idx="4294967295"/>
+          </p:nvPr>
+        </p:nvSpPr>
+        <p:spPr>
+          <a:xfrm>
+            <a:off x="539750" y="2276475"/>
+            <a:ext cx="8085138" cy="3889375"/>
+          </a:xfrm>
+        </p:spPr>
+        <p:txBody>
+          <a:bodyPr/>
+          <a:lstStyle/>
+          <a:p>
+            <a:pPr eaLnBrk="1" hangingPunct="1"/>
+            <a:r>
+              <a:rPr lang="es-PE" sz="1800" b="1" smtClean="0">
+                <a:solidFill>
+                  <a:schemeClr val="tx1"/>
+                </a:solidFill>
+              </a:rPr>
+              <a:t>El mejoramiento de los procesos de toda organización es beneficioso para el logro de sus objetivos. Esto se obtiene con el uso de herramientas de modelado que permiten estructurar, diseñar y graficar los distintos procesos, subprocesos, reglas de negocio, cadena de valor, y demás componentes que permitan relacionar los artefactos de una manera integral.</a:t>
+            </a:r>
+            <a:br>
+              <a:rPr lang="es-PE" sz="1800" b="1" smtClean="0">
+                <a:solidFill>
+                  <a:schemeClr val="tx1"/>
+                </a:solidFill>
+              </a:rPr>
+            </a:br>
+            <a:r>
+              <a:rPr lang="es-PE" sz="1800" b="1" smtClean="0">
+                <a:solidFill>
+                  <a:schemeClr val="tx1"/>
+                </a:solidFill>
+              </a:rPr>
+              <a:t>Por otro lado, conscientes que la organización depende de la fidelidad de sus clientes a través de estrategias que consisten en rentabilizar y obtener el máximo beneficio de los mejores clientes, se hace necesario establecer un adecuado análisis para el Modelamiento del Negocio; así como los procesos y sus respectivas actividades y tareas que permitan satisfacer sus necesidades cada vez más exigentes.</a:t>
+            </a:r>
+            <a:endParaRPr lang="es-ES" sz="1800" b="1" smtClean="0">
+              <a:solidFill>
+                <a:schemeClr val="tx1"/>
+              </a:solidFill>
+            </a:endParaRPr>
+          </a:p>
+        </p:txBody>
+      </p:sp>
+      <p:sp>
+        <p:nvSpPr>
+          <p:cNvPr id="17410" name="2 Título"/>
+          <p:cNvSpPr txBox="1">
+            <a:spLocks/>
+          </p:cNvSpPr>
+          <p:nvPr/>
+        </p:nvSpPr>
+        <p:spPr bwMode="auto">
+          <a:xfrm>
+            <a:off x="463550" y="549275"/>
+            <a:ext cx="8229600" cy="1008063"/>
+          </a:xfrm>
+          <a:prstGeom prst="rect">
+            <a:avLst/>
+          </a:prstGeom>
+          <a:noFill/>
+          <a:ln w="9525">
+            <a:noFill/>
+            <a:miter lim="800000"/>
+            <a:headEnd/>
+            <a:tailEnd/>
+          </a:ln>
+        </p:spPr>
+        <p:txBody>
+          <a:bodyPr anchor="ctr"/>
+          <a:lstStyle/>
+          <a:p>
+            <a:pPr algn="ctr"/>
+            <a:r>
+              <a:rPr lang="es-PE" sz="4000">
+                <a:solidFill>
+                  <a:srgbClr val="FFFFFF"/>
+                </a:solidFill>
+                <a:latin typeface="Candara" pitchFamily="34" charset="0"/>
+              </a:rPr>
+              <a:t>INTRODUCCION</a:t>
+            </a:r>
+          </a:p>
+        </p:txBody>
+      </p:sp>
+    </p:spTree>
+  </p:cSld>
+  <p:clrMapOvr>
+    <a:masterClrMapping/>
+  </p:clrMapOvr>
+</p:sld>
+</file>
+
+<file path=ppt/slides/slide30.xml><?xml version="1.0" encoding="utf-8"?>
+<p:sld xmlns:a="http://schemas.openxmlformats.org/drawingml/2006/main" xmlns:r="http://schemas.openxmlformats.org/officeDocument/2006/relationships" xmlns:p="http://schemas.openxmlformats.org/presentationml/2006/main">
+  <p:cSld>
+    <p:spTree>
+      <p:nvGrpSpPr>
+        <p:cNvPr id="1" name=""/>
+        <p:cNvGrpSpPr/>
+        <p:nvPr/>
+      </p:nvGrpSpPr>
+      <p:grpSpPr>
+        <a:xfrm>
+          <a:off x="0" y="0"/>
+          <a:ext cx="0" cy="0"/>
+          <a:chOff x="0" y="0"/>
+          <a:chExt cx="0" cy="0"/>
+        </a:xfrm>
+      </p:grpSpPr>
+      <p:sp>
+        <p:nvSpPr>
+          <p:cNvPr id="59394" name="2 Título"/>
+          <p:cNvSpPr txBox="1">
+            <a:spLocks/>
+          </p:cNvSpPr>
+          <p:nvPr/>
+        </p:nvSpPr>
+        <p:spPr bwMode="auto">
+          <a:xfrm>
+            <a:off x="519113" y="338138"/>
+            <a:ext cx="8229600" cy="569912"/>
+          </a:xfrm>
+          <a:prstGeom prst="rect">
+            <a:avLst/>
+          </a:prstGeom>
+          <a:noFill/>
+          <a:ln w="9525">
+            <a:noFill/>
+            <a:miter lim="800000"/>
+            <a:headEnd/>
+            <a:tailEnd/>
+          </a:ln>
+        </p:spPr>
+        <p:txBody>
+          <a:bodyPr anchor="ctr"/>
+          <a:lstStyle/>
+          <a:p>
+            <a:pPr algn="ctr"/>
+            <a:r>
+              <a:rPr lang="es-PE" sz="4400">
+                <a:solidFill>
+                  <a:srgbClr val="FFFFFF"/>
+                </a:solidFill>
+                <a:latin typeface="Candara" pitchFamily="34" charset="0"/>
+              </a:rPr>
+              <a:t>BENCHMARKING</a:t>
+            </a:r>
+          </a:p>
+        </p:txBody>
+      </p:sp>
+      <p:pic>
+        <p:nvPicPr>
+          <p:cNvPr id="59397" name="Picture 5"/>
+          <p:cNvPicPr>
+            <a:picLocks noChangeAspect="1" noChangeArrowheads="1"/>
+          </p:cNvPicPr>
+          <p:nvPr/>
+        </p:nvPicPr>
+        <p:blipFill>
+          <a:blip r:embed="rId2"/>
+          <a:srcRect/>
+          <a:stretch>
+            <a:fillRect/>
+          </a:stretch>
+        </p:blipFill>
+        <p:spPr bwMode="auto">
+          <a:xfrm>
+            <a:off x="833438" y="1004888"/>
+            <a:ext cx="7477125" cy="5448300"/>
+          </a:xfrm>
+          <a:prstGeom prst="rect">
+            <a:avLst/>
+          </a:prstGeom>
+          <a:noFill/>
+          <a:ln w="9525">
+            <a:noFill/>
+            <a:miter lim="800000"/>
+            <a:headEnd/>
+            <a:tailEnd/>
+          </a:ln>
+          <a:effectLst/>
+        </p:spPr>
+      </p:pic>
+    </p:spTree>
+  </p:cSld>
+  <p:clrMapOvr>
+    <a:masterClrMapping/>
+  </p:clrMapOvr>
+</p:sld>
+</file>
+
+<file path=ppt/slides/slide31.xml><?xml version="1.0" encoding="utf-8"?>
+<p:sld xmlns:a="http://schemas.openxmlformats.org/drawingml/2006/main" xmlns:r="http://schemas.openxmlformats.org/officeDocument/2006/relationships" xmlns:p="http://schemas.openxmlformats.org/presentationml/2006/main">
+  <p:cSld>
+    <p:spTree>
+      <p:nvGrpSpPr>
+        <p:cNvPr id="1" name=""/>
+        <p:cNvGrpSpPr/>
+        <p:nvPr/>
+      </p:nvGrpSpPr>
+      <p:grpSpPr>
+        <a:xfrm>
+          <a:off x="0" y="0"/>
+          <a:ext cx="0" cy="0"/>
+          <a:chOff x="0" y="0"/>
+          <a:chExt cx="0" cy="0"/>
+        </a:xfrm>
+      </p:grpSpPr>
+      <p:sp>
+        <p:nvSpPr>
+          <p:cNvPr id="60418" name="2 Título"/>
+          <p:cNvSpPr txBox="1">
+            <a:spLocks/>
+          </p:cNvSpPr>
+          <p:nvPr/>
+        </p:nvSpPr>
+        <p:spPr bwMode="auto">
+          <a:xfrm>
+            <a:off x="519113" y="338138"/>
+            <a:ext cx="8229600" cy="569912"/>
+          </a:xfrm>
+          <a:prstGeom prst="rect">
+            <a:avLst/>
+          </a:prstGeom>
+          <a:noFill/>
+          <a:ln w="9525">
+            <a:noFill/>
+            <a:miter lim="800000"/>
+            <a:headEnd/>
+            <a:tailEnd/>
+          </a:ln>
+        </p:spPr>
+        <p:txBody>
+          <a:bodyPr anchor="ctr"/>
+          <a:lstStyle/>
+          <a:p>
+            <a:pPr algn="ctr"/>
+            <a:r>
+              <a:rPr lang="es-PE" sz="4400">
+                <a:solidFill>
+                  <a:srgbClr val="FFFFFF"/>
+                </a:solidFill>
+                <a:latin typeface="Candara" pitchFamily="34" charset="0"/>
+              </a:rPr>
+              <a:t>BENCHMARKING</a:t>
+            </a:r>
+          </a:p>
+        </p:txBody>
+      </p:sp>
+      <p:pic>
+        <p:nvPicPr>
+          <p:cNvPr id="60421" name="Picture 5"/>
+          <p:cNvPicPr>
+            <a:picLocks noChangeAspect="1" noChangeArrowheads="1"/>
+          </p:cNvPicPr>
+          <p:nvPr/>
+        </p:nvPicPr>
+        <p:blipFill>
+          <a:blip r:embed="rId2"/>
+          <a:srcRect/>
+          <a:stretch>
+            <a:fillRect/>
+          </a:stretch>
+        </p:blipFill>
+        <p:spPr bwMode="auto">
+          <a:xfrm>
+            <a:off x="1116013" y="844550"/>
+            <a:ext cx="7127875" cy="5897563"/>
+          </a:xfrm>
+          <a:prstGeom prst="rect">
+            <a:avLst/>
+          </a:prstGeom>
+          <a:noFill/>
+          <a:ln w="9525">
+            <a:noFill/>
+            <a:miter lim="800000"/>
+            <a:headEnd/>
+            <a:tailEnd/>
+          </a:ln>
+          <a:effectLst/>
+        </p:spPr>
+      </p:pic>
+    </p:spTree>
+  </p:cSld>
+  <p:clrMapOvr>
+    <a:masterClrMapping/>
+  </p:clrMapOvr>
+</p:sld>
+</file>
+
+<file path=ppt/slides/slide32.xml><?xml version="1.0" encoding="utf-8"?>
+<p:sld xmlns:a="http://schemas.openxmlformats.org/drawingml/2006/main" xmlns:r="http://schemas.openxmlformats.org/officeDocument/2006/relationships" xmlns:p="http://schemas.openxmlformats.org/presentationml/2006/main">
+  <p:cSld>
+    <p:spTree>
+      <p:nvGrpSpPr>
+        <p:cNvPr id="1" name=""/>
+        <p:cNvGrpSpPr/>
+        <p:nvPr/>
+      </p:nvGrpSpPr>
+      <p:grpSpPr>
+        <a:xfrm>
+          <a:off x="0" y="0"/>
+          <a:ext cx="0" cy="0"/>
+          <a:chOff x="0" y="0"/>
+          <a:chExt cx="0" cy="0"/>
+        </a:xfrm>
+      </p:grpSpPr>
+      <p:sp>
+        <p:nvSpPr>
+          <p:cNvPr id="50177" name="2 Título"/>
           <p:cNvSpPr>
             <a:spLocks noGrp="1"/>
           </p:cNvSpPr>
@@ -25093,7 +25248,7 @@
 </p:sld>
 </file>
 
-<file path=ppt/slides/slide3.xml><?xml version="1.0" encoding="utf-8"?>
+<file path=ppt/slides/slide33.xml><?xml version="1.0" encoding="utf-8"?>
 <p:sld xmlns:a="http://schemas.openxmlformats.org/drawingml/2006/main" xmlns:r="http://schemas.openxmlformats.org/officeDocument/2006/relationships" xmlns:p="http://schemas.openxmlformats.org/presentationml/2006/main">
   <p:cSld>
     <p:spTree>
@@ -25112,202 +25267,7 @@
       </p:grpSpPr>
       <p:sp>
         <p:nvSpPr>
-          <p:cNvPr id="69634" name="2 Título"/>
-          <p:cNvSpPr>
-            <a:spLocks noGrp="1"/>
-          </p:cNvSpPr>
-          <p:nvPr>
-            <p:ph type="title" idx="4294967295"/>
-          </p:nvPr>
-        </p:nvSpPr>
-        <p:spPr>
-          <a:xfrm>
-            <a:off x="539552" y="2420888"/>
-            <a:ext cx="8085138" cy="3888978"/>
-          </a:xfrm>
-        </p:spPr>
-        <p:txBody>
-          <a:bodyPr/>
-          <a:lstStyle/>
-          <a:p>
-            <a:pPr eaLnBrk="1" hangingPunct="1"/>
-            <a:endParaRPr lang="es-PE" sz="2800" b="1" dirty="0">
-              <a:solidFill>
-                <a:schemeClr val="tx2"/>
-              </a:solidFill>
-            </a:endParaRPr>
-          </a:p>
-        </p:txBody>
-      </p:sp>
-      <p:sp>
-        <p:nvSpPr>
-          <p:cNvPr id="3" name="2 Título"/>
-          <p:cNvSpPr txBox="1">
-            <a:spLocks/>
-          </p:cNvSpPr>
-          <p:nvPr/>
-        </p:nvSpPr>
-        <p:spPr bwMode="auto">
-          <a:xfrm>
-            <a:off x="463899" y="548680"/>
-            <a:ext cx="8229600" cy="1008112"/>
-          </a:xfrm>
-          <a:prstGeom prst="rect">
-            <a:avLst/>
-          </a:prstGeom>
-          <a:noFill/>
-          <a:ln w="9525">
-            <a:noFill/>
-            <a:miter lim="800000"/>
-            <a:headEnd/>
-            <a:tailEnd/>
-          </a:ln>
-        </p:spPr>
-        <p:txBody>
-          <a:bodyPr vert="horz" wrap="square" lIns="91440" tIns="45720" rIns="91440" bIns="45720" numCol="1" anchor="ctr" anchorCtr="0" compatLnSpc="1">
-            <a:prstTxWarp prst="textNoShape">
-              <a:avLst/>
-            </a:prstTxWarp>
-          </a:bodyPr>
-          <a:lstStyle>
-            <a:lvl1pPr algn="ctr" rtl="0" eaLnBrk="0" fontAlgn="base" hangingPunct="0">
-              <a:spcBef>
-                <a:spcPct val="0"/>
-              </a:spcBef>
-              <a:spcAft>
-                <a:spcPct val="0"/>
-              </a:spcAft>
-              <a:defRPr sz="4400" kern="1200">
-                <a:solidFill>
-                  <a:srgbClr val="FFFFFF"/>
-                </a:solidFill>
-                <a:latin typeface="+mj-lt"/>
-                <a:ea typeface="+mj-ea"/>
-                <a:cs typeface="+mj-cs"/>
-              </a:defRPr>
-            </a:lvl1pPr>
-            <a:lvl2pPr algn="ctr" rtl="0" eaLnBrk="0" fontAlgn="base" hangingPunct="0">
-              <a:spcBef>
-                <a:spcPct val="0"/>
-              </a:spcBef>
-              <a:spcAft>
-                <a:spcPct val="0"/>
-              </a:spcAft>
-              <a:defRPr sz="4400">
-                <a:solidFill>
-                  <a:srgbClr val="FFFFFF"/>
-                </a:solidFill>
-                <a:latin typeface="Candara" pitchFamily="34" charset="0"/>
-              </a:defRPr>
-            </a:lvl2pPr>
-            <a:lvl3pPr algn="ctr" rtl="0" eaLnBrk="0" fontAlgn="base" hangingPunct="0">
-              <a:spcBef>
-                <a:spcPct val="0"/>
-              </a:spcBef>
-              <a:spcAft>
-                <a:spcPct val="0"/>
-              </a:spcAft>
-              <a:defRPr sz="4400">
-                <a:solidFill>
-                  <a:srgbClr val="FFFFFF"/>
-                </a:solidFill>
-                <a:latin typeface="Candara" pitchFamily="34" charset="0"/>
-              </a:defRPr>
-            </a:lvl3pPr>
-            <a:lvl4pPr algn="ctr" rtl="0" eaLnBrk="0" fontAlgn="base" hangingPunct="0">
-              <a:spcBef>
-                <a:spcPct val="0"/>
-              </a:spcBef>
-              <a:spcAft>
-                <a:spcPct val="0"/>
-              </a:spcAft>
-              <a:defRPr sz="4400">
-                <a:solidFill>
-                  <a:srgbClr val="FFFFFF"/>
-                </a:solidFill>
-                <a:latin typeface="Candara" pitchFamily="34" charset="0"/>
-              </a:defRPr>
-            </a:lvl4pPr>
-            <a:lvl5pPr algn="ctr" rtl="0" eaLnBrk="0" fontAlgn="base" hangingPunct="0">
-              <a:spcBef>
-                <a:spcPct val="0"/>
-              </a:spcBef>
-              <a:spcAft>
-                <a:spcPct val="0"/>
-              </a:spcAft>
-              <a:defRPr sz="4400">
-                <a:solidFill>
-                  <a:srgbClr val="FFFFFF"/>
-                </a:solidFill>
-                <a:latin typeface="Candara" pitchFamily="34" charset="0"/>
-              </a:defRPr>
-            </a:lvl5pPr>
-            <a:lvl6pPr eaLnBrk="1" hangingPunct="1">
-              <a:defRPr>
-                <a:solidFill>
-                  <a:schemeClr val="tx2"/>
-                </a:solidFill>
-              </a:defRPr>
-            </a:lvl6pPr>
-            <a:lvl7pPr eaLnBrk="1" hangingPunct="1">
-              <a:defRPr>
-                <a:solidFill>
-                  <a:schemeClr val="tx2"/>
-                </a:solidFill>
-              </a:defRPr>
-            </a:lvl7pPr>
-            <a:lvl8pPr eaLnBrk="1" hangingPunct="1">
-              <a:defRPr>
-                <a:solidFill>
-                  <a:schemeClr val="tx2"/>
-                </a:solidFill>
-              </a:defRPr>
-            </a:lvl8pPr>
-            <a:lvl9pPr eaLnBrk="1" hangingPunct="1">
-              <a:defRPr>
-                <a:solidFill>
-                  <a:schemeClr val="tx2"/>
-                </a:solidFill>
-              </a:defRPr>
-            </a:lvl9pPr>
-          </a:lstStyle>
-          <a:p>
-            <a:pPr eaLnBrk="1" hangingPunct="1"/>
-            <a:r>
-              <a:rPr lang="es-PE" sz="4000" dirty="0"/>
-              <a:t>INTRODUCCION</a:t>
-            </a:r>
-          </a:p>
-        </p:txBody>
-      </p:sp>
-    </p:spTree>
-  </p:cSld>
-  <p:clrMapOvr>
-    <a:masterClrMapping/>
-  </p:clrMapOvr>
-</p:sld>
-</file>
-
-<file path=ppt/slides/slide30.xml><?xml version="1.0" encoding="utf-8"?>
-<p:sld xmlns:a="http://schemas.openxmlformats.org/drawingml/2006/main" xmlns:r="http://schemas.openxmlformats.org/officeDocument/2006/relationships" xmlns:p="http://schemas.openxmlformats.org/presentationml/2006/main">
-  <p:cSld>
-    <p:spTree>
-      <p:nvGrpSpPr>
-        <p:cNvPr id="1" name=""/>
-        <p:cNvGrpSpPr/>
-        <p:nvPr/>
-      </p:nvGrpSpPr>
-      <p:grpSpPr>
-        <a:xfrm>
-          <a:off x="0" y="0"/>
-          <a:ext cx="0" cy="0"/>
-          <a:chOff x="0" y="0"/>
-          <a:chExt cx="0" cy="0"/>
-        </a:xfrm>
-      </p:grpSpPr>
-      <p:sp>
-        <p:nvSpPr>
-          <p:cNvPr id="3" name="2 Título"/>
+          <p:cNvPr id="51201" name="2 Título"/>
           <p:cNvSpPr txBox="1">
             <a:spLocks/>
           </p:cNvSpPr>
@@ -25330,135 +25290,74 @@
           </a:ln>
         </p:spPr>
         <p:txBody>
-          <a:bodyPr vert="horz" wrap="square" lIns="91440" tIns="45720" rIns="91440" bIns="45720" numCol="1" rtlCol="0" anchor="ctr" anchorCtr="0" compatLnSpc="1">
-            <a:prstTxWarp prst="textNoShape">
-              <a:avLst/>
-            </a:prstTxWarp>
-            <a:normAutofit/>
-          </a:bodyPr>
-          <a:lstStyle>
-            <a:lvl1pPr algn="ctr" rtl="0" eaLnBrk="0" fontAlgn="base" hangingPunct="0">
-              <a:spcBef>
-                <a:spcPct val="0"/>
-              </a:spcBef>
-              <a:spcAft>
-                <a:spcPct val="0"/>
-              </a:spcAft>
-              <a:defRPr sz="4400" kern="1200">
-                <a:solidFill>
-                  <a:srgbClr val="FFFFFF"/>
-                </a:solidFill>
-                <a:latin typeface="+mj-lt"/>
-                <a:ea typeface="+mj-ea"/>
-                <a:cs typeface="+mj-cs"/>
-              </a:defRPr>
-            </a:lvl1pPr>
-            <a:lvl2pPr algn="ctr" rtl="0" eaLnBrk="0" fontAlgn="base" hangingPunct="0">
-              <a:spcBef>
-                <a:spcPct val="0"/>
-              </a:spcBef>
-              <a:spcAft>
-                <a:spcPct val="0"/>
-              </a:spcAft>
-              <a:defRPr sz="4400">
+          <a:bodyPr anchor="ctr"/>
+          <a:lstStyle/>
+          <a:p>
+            <a:pPr algn="ctr"/>
+            <a:r>
+              <a:rPr lang="es-PE" sz="4400">
                 <a:solidFill>
                   <a:srgbClr val="FFFFFF"/>
                 </a:solidFill>
                 <a:latin typeface="Candara" pitchFamily="34" charset="0"/>
-              </a:defRPr>
-            </a:lvl2pPr>
-            <a:lvl3pPr algn="ctr" rtl="0" eaLnBrk="0" fontAlgn="base" hangingPunct="0">
-              <a:spcBef>
-                <a:spcPct val="0"/>
-              </a:spcBef>
-              <a:spcAft>
-                <a:spcPct val="0"/>
-              </a:spcAft>
-              <a:defRPr sz="4400">
-                <a:solidFill>
-                  <a:srgbClr val="FFFFFF"/>
-                </a:solidFill>
-                <a:latin typeface="Candara" pitchFamily="34" charset="0"/>
-              </a:defRPr>
-            </a:lvl3pPr>
-            <a:lvl4pPr algn="ctr" rtl="0" eaLnBrk="0" fontAlgn="base" hangingPunct="0">
-              <a:spcBef>
-                <a:spcPct val="0"/>
-              </a:spcBef>
-              <a:spcAft>
-                <a:spcPct val="0"/>
-              </a:spcAft>
-              <a:defRPr sz="4400">
-                <a:solidFill>
-                  <a:srgbClr val="FFFFFF"/>
-                </a:solidFill>
-                <a:latin typeface="Candara" pitchFamily="34" charset="0"/>
-              </a:defRPr>
-            </a:lvl4pPr>
-            <a:lvl5pPr algn="ctr" rtl="0" eaLnBrk="0" fontAlgn="base" hangingPunct="0">
-              <a:spcBef>
-                <a:spcPct val="0"/>
-              </a:spcBef>
-              <a:spcAft>
-                <a:spcPct val="0"/>
-              </a:spcAft>
-              <a:defRPr sz="4400">
-                <a:solidFill>
-                  <a:srgbClr val="FFFFFF"/>
-                </a:solidFill>
-                <a:latin typeface="Candara" pitchFamily="34" charset="0"/>
-              </a:defRPr>
-            </a:lvl5pPr>
-            <a:lvl6pPr eaLnBrk="1" hangingPunct="1">
-              <a:defRPr>
-                <a:solidFill>
-                  <a:schemeClr val="tx2"/>
-                </a:solidFill>
-              </a:defRPr>
-            </a:lvl6pPr>
-            <a:lvl7pPr eaLnBrk="1" hangingPunct="1">
-              <a:defRPr>
-                <a:solidFill>
-                  <a:schemeClr val="tx2"/>
-                </a:solidFill>
-              </a:defRPr>
-            </a:lvl7pPr>
-            <a:lvl8pPr eaLnBrk="1" hangingPunct="1">
-              <a:defRPr>
-                <a:solidFill>
-                  <a:schemeClr val="tx2"/>
-                </a:solidFill>
-              </a:defRPr>
-            </a:lvl8pPr>
-            <a:lvl9pPr eaLnBrk="1" hangingPunct="1">
-              <a:defRPr>
-                <a:solidFill>
-                  <a:schemeClr val="tx2"/>
-                </a:solidFill>
-              </a:defRPr>
-            </a:lvl9pPr>
-          </a:lstStyle>
-          <a:p>
-            <a:pPr eaLnBrk="1" fontAlgn="auto" hangingPunct="1">
-              <a:spcAft>
-                <a:spcPts val="0"/>
-              </a:spcAft>
-              <a:defRPr/>
-            </a:pPr>
-            <a:r>
-              <a:rPr lang="es-PE" dirty="0" smtClean="0"/>
+              </a:rPr>
               <a:t>CONCLUSIONES</a:t>
             </a:r>
-            <a:endParaRPr lang="es-PE" dirty="0"/>
+          </a:p>
+        </p:txBody>
+      </p:sp>
+      <p:sp>
+        <p:nvSpPr>
+          <p:cNvPr id="51203" name="Text Box 3"/>
+          <p:cNvSpPr txBox="1">
+            <a:spLocks noChangeArrowheads="1"/>
+          </p:cNvSpPr>
+          <p:nvPr/>
+        </p:nvSpPr>
+        <p:spPr bwMode="auto">
+          <a:xfrm>
+            <a:off x="611188" y="2133600"/>
+            <a:ext cx="7921625" cy="4211638"/>
+          </a:xfrm>
+          <a:prstGeom prst="rect">
+            <a:avLst/>
+          </a:prstGeom>
+          <a:noFill/>
+          <a:ln w="9525">
+            <a:noFill/>
+            <a:miter lim="800000"/>
+            <a:headEnd/>
+            <a:tailEnd/>
+          </a:ln>
+          <a:effectLst/>
+        </p:spPr>
+        <p:txBody>
+          <a:bodyPr>
+            <a:spAutoFit/>
+          </a:bodyPr>
+          <a:lstStyle/>
+          <a:p>
+            <a:r>
+              <a:rPr lang="es-PE"/>
+              <a:t>El esfuerzo sobre el entendimiento del proceso es fundamental, con lo cual se obtiene una visión clara sobre la realización de los casos de uso de negocio. Para ello, en coordinación con los grupos de Gestión de Requerimientos y Gestión de Cambios en Proyectos se descubrió que ellos son quienes nos proporcionan las entradas para el caso de uso de negocio de CC_CU001_Gestionar_Contratos. </a:t>
+            </a:r>
+          </a:p>
+          <a:p>
+            <a:r>
+              <a:rPr lang="es-PE"/>
+              <a:t>Por otro lado, aprendimos que los casos de uso de negocio deben ser generales y no detallados o modulares, a pesar de esa generalidad, determinamos manejar un caso de uso de negocio por cada escenario particular que lo amerite como: las anomalías y seguimientos a los mismos.</a:t>
+            </a:r>
+          </a:p>
+          <a:p>
+            <a:r>
+              <a:rPr lang="es-PE"/>
+              <a:t>Finalmente, concluimos que en la fase de requerimientos de software es fundamental tener bien definido y documentado el modelo del negocio, ya que es el input base para poder definir los requerimientos funcionales del software que construiremos en el proyecto y poder cubrir todas las necesidades y requisitos del negocio. </a:t>
+            </a:r>
+            <a:endParaRPr lang="es-ES"/>
           </a:p>
         </p:txBody>
       </p:sp>
     </p:spTree>
-    <p:extLst>
-      <p:ext uri="{BB962C8B-B14F-4D97-AF65-F5344CB8AC3E}">
-        <p14:creationId xmlns:p14="http://schemas.microsoft.com/office/powerpoint/2010/main" val="293542806"/>
-      </p:ext>
-    </p:extLst>
   </p:cSld>
   <p:clrMapOvr>
     <a:masterClrMapping/>
@@ -25466,7 +25365,7 @@
 </p:sld>
 </file>
 
-<file path=ppt/slides/slide31.xml><?xml version="1.0" encoding="utf-8"?>
+<file path=ppt/slides/slide34.xml><?xml version="1.0" encoding="utf-8"?>
 <p:sld xmlns:a="http://schemas.openxmlformats.org/drawingml/2006/main" xmlns:r="http://schemas.openxmlformats.org/officeDocument/2006/relationships" xmlns:p="http://schemas.openxmlformats.org/presentationml/2006/main">
   <p:cSld>
     <p:spTree>
@@ -25485,7 +25384,7 @@
       </p:grpSpPr>
       <p:sp>
         <p:nvSpPr>
-          <p:cNvPr id="45057" name="1 Título"/>
+          <p:cNvPr id="52225" name="1 Título"/>
           <p:cNvSpPr>
             <a:spLocks noGrp="1"/>
           </p:cNvSpPr>
@@ -25514,7 +25413,7 @@
       </p:sp>
       <p:sp>
         <p:nvSpPr>
-          <p:cNvPr id="45058" name="2 Subtítulo"/>
+          <p:cNvPr id="52226" name="2 Subtítulo"/>
           <p:cNvSpPr>
             <a:spLocks noGrp="1"/>
           </p:cNvSpPr>
@@ -25542,7 +25441,7 @@
       </p:sp>
       <p:sp>
         <p:nvSpPr>
-          <p:cNvPr id="45059" name="3 CuadroTexto"/>
+          <p:cNvPr id="52227" name="3 CuadroTexto"/>
           <p:cNvSpPr txBox="1">
             <a:spLocks noChangeArrowheads="1"/>
           </p:cNvSpPr>
@@ -25627,7 +25526,7 @@
       </p:sp>
       <p:sp>
         <p:nvSpPr>
-          <p:cNvPr id="45060" name="4 CuadroTexto"/>
+          <p:cNvPr id="52228" name="4 CuadroTexto"/>
           <p:cNvSpPr txBox="1">
             <a:spLocks noChangeArrowheads="1"/>
           </p:cNvSpPr>
@@ -25635,7 +25534,7 @@
         </p:nvSpPr>
         <p:spPr bwMode="auto">
           <a:xfrm>
-            <a:off x="467544" y="4293096"/>
+            <a:off x="468313" y="4292600"/>
             <a:ext cx="3455987" cy="923925"/>
           </a:xfrm>
           <a:prstGeom prst="rect">
@@ -25656,7 +25555,7 @@
           <a:lstStyle/>
           <a:p>
             <a:r>
-              <a:rPr lang="es-PE" sz="5400" dirty="0">
+              <a:rPr lang="es-PE" sz="5400">
                 <a:solidFill>
                   <a:schemeClr val="bg1"/>
                 </a:solidFill>
@@ -25665,7 +25564,7 @@
               <a:t>GRACIAS </a:t>
             </a:r>
             <a:r>
-              <a:rPr lang="es-PE" sz="4800" dirty="0">
+              <a:rPr lang="es-PE" sz="4800">
                 <a:solidFill>
                   <a:schemeClr val="bg1"/>
                 </a:solidFill>
@@ -25710,7 +25609,7 @@
       </p:grpSpPr>
       <p:sp>
         <p:nvSpPr>
-          <p:cNvPr id="20481" name="2 Título"/>
+          <p:cNvPr id="18433" name="2 Título"/>
           <p:cNvSpPr>
             <a:spLocks noGrp="1"/>
           </p:cNvSpPr>
@@ -25730,30 +25629,17 @@
           <a:p>
             <a:pPr eaLnBrk="1" hangingPunct="1"/>
             <a:r>
-              <a:rPr lang="es-PE" b="1" dirty="0" smtClean="0">
+              <a:rPr lang="es-PE" b="1" smtClean="0">
                 <a:solidFill>
                   <a:schemeClr val="tx2"/>
                 </a:solidFill>
               </a:rPr>
-              <a:t>PRINCIPALES </a:t>
-            </a:r>
-            <a:r>
-              <a:rPr lang="es-PE" b="1" dirty="0">
-                <a:solidFill>
-                  <a:schemeClr val="tx2"/>
-                </a:solidFill>
-              </a:rPr>
-              <a:t>CORRECCIONES AL ENTREGABLE ANTERIOR</a:t>
+              <a:t>PRINCIPALES CORRECCIONES AL ENTREGABLE ANTERIOR</a:t>
             </a:r>
           </a:p>
         </p:txBody>
       </p:sp>
     </p:spTree>
-    <p:extLst>
-      <p:ext uri="{BB962C8B-B14F-4D97-AF65-F5344CB8AC3E}">
-        <p14:creationId xmlns:p14="http://schemas.microsoft.com/office/powerpoint/2010/main" val="379800565"/>
-      </p:ext>
-    </p:extLst>
   </p:cSld>
   <p:clrMapOvr>
     <a:masterClrMapping/>
@@ -25780,7 +25666,7 @@
       </p:grpSpPr>
       <p:sp>
         <p:nvSpPr>
-          <p:cNvPr id="18433" name="2 Título"/>
+          <p:cNvPr id="19457" name="2 Título"/>
           <p:cNvSpPr>
             <a:spLocks noGrp="1"/>
           </p:cNvSpPr>
@@ -25790,7 +25676,7 @@
         </p:nvSpPr>
         <p:spPr>
           <a:xfrm>
-            <a:off x="467544" y="404664"/>
+            <a:off x="468313" y="404813"/>
             <a:ext cx="8229600" cy="1252537"/>
           </a:xfrm>
         </p:spPr>
@@ -25800,7 +25686,7 @@
           <a:p>
             <a:pPr eaLnBrk="1" hangingPunct="1"/>
             <a:r>
-              <a:rPr lang="es-PE" sz="4000" dirty="0" smtClean="0">
+              <a:rPr lang="es-PE" sz="4000" smtClean="0">
                 <a:solidFill>
                   <a:schemeClr val="bg1"/>
                 </a:solidFill>
@@ -25812,7 +25698,7 @@
       </p:sp>
       <p:sp>
         <p:nvSpPr>
-          <p:cNvPr id="3" name="2 Título"/>
+          <p:cNvPr id="19458" name="2 Título"/>
           <p:cNvSpPr txBox="1">
             <a:spLocks/>
           </p:cNvSpPr>
@@ -25821,7 +25707,7 @@
         <p:spPr bwMode="auto">
           <a:xfrm>
             <a:off x="468313" y="2636838"/>
-            <a:ext cx="8229600" cy="3600474"/>
+            <a:ext cx="8229600" cy="3600450"/>
           </a:xfrm>
           <a:prstGeom prst="rect">
             <a:avLst/>
@@ -25835,127 +25721,60 @@
           </a:ln>
         </p:spPr>
         <p:txBody>
-          <a:bodyPr vert="horz" wrap="square" lIns="91440" tIns="45720" rIns="91440" bIns="45720" numCol="1" anchor="ctr" anchorCtr="0" compatLnSpc="1">
-            <a:prstTxWarp prst="textNoShape">
-              <a:avLst/>
-            </a:prstTxWarp>
-          </a:bodyPr>
-          <a:lstStyle>
-            <a:lvl1pPr algn="ctr" rtl="0" eaLnBrk="0" fontAlgn="base" hangingPunct="0">
-              <a:spcBef>
-                <a:spcPct val="0"/>
-              </a:spcBef>
-              <a:spcAft>
-                <a:spcPct val="0"/>
-              </a:spcAft>
-              <a:defRPr sz="4400" kern="1200">
+          <a:bodyPr anchor="ctr"/>
+          <a:lstStyle/>
+          <a:p>
+            <a:pPr algn="ctr">
+              <a:buFontTx/>
+              <a:buChar char="•"/>
+            </a:pPr>
+            <a:r>
+              <a:rPr lang="es-PE" sz="2800" b="1">
                 <a:solidFill>
-                  <a:srgbClr val="FFFFFF"/>
-                </a:solidFill>
-                <a:latin typeface="+mj-lt"/>
-                <a:ea typeface="+mj-ea"/>
-                <a:cs typeface="+mj-cs"/>
-              </a:defRPr>
-            </a:lvl1pPr>
-            <a:lvl2pPr algn="ctr" rtl="0" eaLnBrk="0" fontAlgn="base" hangingPunct="0">
-              <a:spcBef>
-                <a:spcPct val="0"/>
-              </a:spcBef>
-              <a:spcAft>
-                <a:spcPct val="0"/>
-              </a:spcAft>
-              <a:defRPr sz="4400">
-                <a:solidFill>
-                  <a:srgbClr val="FFFFFF"/>
+                  <a:srgbClr val="8C2902"/>
                 </a:solidFill>
                 <a:latin typeface="Candara" pitchFamily="34" charset="0"/>
-              </a:defRPr>
-            </a:lvl2pPr>
-            <a:lvl3pPr algn="ctr" rtl="0" eaLnBrk="0" fontAlgn="base" hangingPunct="0">
-              <a:spcBef>
-                <a:spcPct val="0"/>
-              </a:spcBef>
-              <a:spcAft>
-                <a:spcPct val="0"/>
-              </a:spcAft>
-              <a:defRPr sz="4400">
+              </a:rPr>
+              <a:t>Afinar puntos complementarios en relación al Proceso de negocio</a:t>
+            </a:r>
+          </a:p>
+          <a:p>
+            <a:pPr algn="ctr">
+              <a:buFontTx/>
+              <a:buChar char="•"/>
+            </a:pPr>
+            <a:r>
+              <a:rPr lang="es-PE" sz="2800" b="1">
                 <a:solidFill>
-                  <a:srgbClr val="FFFFFF"/>
+                  <a:srgbClr val="8C2902"/>
                 </a:solidFill>
                 <a:latin typeface="Candara" pitchFamily="34" charset="0"/>
-              </a:defRPr>
-            </a:lvl3pPr>
-            <a:lvl4pPr algn="ctr" rtl="0" eaLnBrk="0" fontAlgn="base" hangingPunct="0">
-              <a:spcBef>
-                <a:spcPct val="0"/>
-              </a:spcBef>
-              <a:spcAft>
-                <a:spcPct val="0"/>
-              </a:spcAft>
-              <a:defRPr sz="4400">
+              </a:rPr>
+              <a:t>Evaluar Reglas de negocio en comparación con los Diagramas de actividades propuestos</a:t>
+            </a:r>
+          </a:p>
+          <a:p>
+            <a:pPr algn="ctr">
+              <a:buFontTx/>
+              <a:buChar char="•"/>
+            </a:pPr>
+            <a:r>
+              <a:rPr lang="es-PE" sz="2800" b="1">
                 <a:solidFill>
-                  <a:srgbClr val="FFFFFF"/>
+                  <a:srgbClr val="8C2902"/>
                 </a:solidFill>
                 <a:latin typeface="Candara" pitchFamily="34" charset="0"/>
-              </a:defRPr>
-            </a:lvl4pPr>
-            <a:lvl5pPr algn="ctr" rtl="0" eaLnBrk="0" fontAlgn="base" hangingPunct="0">
-              <a:spcBef>
-                <a:spcPct val="0"/>
-              </a:spcBef>
-              <a:spcAft>
-                <a:spcPct val="0"/>
-              </a:spcAft>
-              <a:defRPr sz="4400">
-                <a:solidFill>
-                  <a:srgbClr val="FFFFFF"/>
-                </a:solidFill>
-                <a:latin typeface="Candara" pitchFamily="34" charset="0"/>
-              </a:defRPr>
-            </a:lvl5pPr>
-            <a:lvl6pPr eaLnBrk="1" hangingPunct="1">
-              <a:defRPr>
-                <a:solidFill>
-                  <a:schemeClr val="tx2"/>
-                </a:solidFill>
-              </a:defRPr>
-            </a:lvl6pPr>
-            <a:lvl7pPr eaLnBrk="1" hangingPunct="1">
-              <a:defRPr>
-                <a:solidFill>
-                  <a:schemeClr val="tx2"/>
-                </a:solidFill>
-              </a:defRPr>
-            </a:lvl7pPr>
-            <a:lvl8pPr eaLnBrk="1" hangingPunct="1">
-              <a:defRPr>
-                <a:solidFill>
-                  <a:schemeClr val="tx2"/>
-                </a:solidFill>
-              </a:defRPr>
-            </a:lvl8pPr>
-            <a:lvl9pPr eaLnBrk="1" hangingPunct="1">
-              <a:defRPr>
-                <a:solidFill>
-                  <a:schemeClr val="tx2"/>
-                </a:solidFill>
-              </a:defRPr>
-            </a:lvl9pPr>
-          </a:lstStyle>
+              </a:rPr>
+              <a:t>Mejorar la Propuesta de negocio del Proceso de Gestión de Contratos</a:t>
+            </a:r>
+          </a:p>
           <a:p>
-            <a:pPr eaLnBrk="1" hangingPunct="1"/>
-            <a:r>
-              <a:rPr lang="es-PE" sz="2800" b="1" smtClean="0">
-                <a:solidFill>
-                  <a:schemeClr val="tx2"/>
-                </a:solidFill>
-              </a:rPr>
-              <a:t>Agregar aquí</a:t>
-            </a:r>
-            <a:endParaRPr lang="es-PE" sz="2800" b="1" dirty="0">
+            <a:pPr algn="ctr"/>
+            <a:endParaRPr lang="es-PE" sz="2800" b="1">
               <a:solidFill>
-                <a:schemeClr val="tx2"/>
+                <a:srgbClr val="8C2902"/>
               </a:solidFill>
+              <a:latin typeface="Candara" pitchFamily="34" charset="0"/>
             </a:endParaRPr>
           </a:p>
         </p:txBody>
@@ -26007,27 +25826,17 @@
           <a:p>
             <a:pPr eaLnBrk="1" hangingPunct="1"/>
             <a:r>
-              <a:rPr lang="es-PE" b="1" dirty="0" smtClean="0">
+              <a:rPr lang="es-PE" b="1" smtClean="0">
                 <a:solidFill>
                   <a:schemeClr val="tx2"/>
                 </a:solidFill>
               </a:rPr>
               <a:t>REQUERIMIENTOS FUNCIONALES</a:t>
             </a:r>
-            <a:endParaRPr lang="es-PE" b="1" dirty="0">
-              <a:solidFill>
-                <a:schemeClr val="tx2"/>
-              </a:solidFill>
-            </a:endParaRPr>
           </a:p>
         </p:txBody>
       </p:sp>
     </p:spTree>
-    <p:extLst>
-      <p:ext uri="{BB962C8B-B14F-4D97-AF65-F5344CB8AC3E}">
-        <p14:creationId xmlns:p14="http://schemas.microsoft.com/office/powerpoint/2010/main" val="3937662396"/>
-      </p:ext>
-    </p:extLst>
   </p:cSld>
   <p:clrMapOvr>
     <a:masterClrMapping/>
@@ -26054,7 +25863,7 @@
       </p:grpSpPr>
       <p:sp>
         <p:nvSpPr>
-          <p:cNvPr id="3" name="2 Título"/>
+          <p:cNvPr id="21505" name="2 Título"/>
           <p:cNvSpPr>
             <a:spLocks noGrp="1"/>
           </p:cNvSpPr>
@@ -26064,22 +25873,14 @@
         </p:nvSpPr>
         <p:spPr/>
         <p:txBody>
-          <a:bodyPr rtlCol="0">
-            <a:normAutofit/>
-          </a:bodyPr>
+          <a:bodyPr/>
           <a:lstStyle/>
           <a:p>
-            <a:pPr eaLnBrk="1" fontAlgn="auto" hangingPunct="1">
-              <a:spcAft>
-                <a:spcPts val="0"/>
-              </a:spcAft>
-              <a:defRPr/>
-            </a:pPr>
+            <a:pPr eaLnBrk="1" hangingPunct="1"/>
             <a:r>
-              <a:rPr lang="es-PE" dirty="0" smtClean="0"/>
+              <a:rPr lang="es-PE" smtClean="0"/>
               <a:t>REQUERIMIENTOS FUNCIONALES</a:t>
             </a:r>
-            <a:endParaRPr lang="es-PE" dirty="0"/>
           </a:p>
         </p:txBody>
       </p:sp>
@@ -26089,17 +25890,11 @@
           <p:cNvGraphicFramePr>
             <a:graphicFrameLocks noGrp="1"/>
           </p:cNvGraphicFramePr>
-          <p:nvPr>
-            <p:extLst>
-              <p:ext uri="{D42A27DB-BD31-4B8C-83A1-F6EECF244321}">
-                <p14:modId xmlns:p14="http://schemas.microsoft.com/office/powerpoint/2010/main" val="1633851190"/>
-              </p:ext>
-            </p:extLst>
-          </p:nvPr>
+          <p:nvPr/>
         </p:nvGraphicFramePr>
         <p:xfrm>
-          <a:off x="323850" y="2347778"/>
-          <a:ext cx="8568630" cy="4249574"/>
+          <a:off x="323850" y="2347913"/>
+          <a:ext cx="8569325" cy="4249737"/>
         </p:xfrm>
         <a:graphic>
           <a:graphicData uri="http://schemas.openxmlformats.org/drawingml/2006/table">
@@ -26573,11 +26368,6 @@
         </a:graphic>
       </p:graphicFrame>
     </p:spTree>
-    <p:extLst>
-      <p:ext uri="{BB962C8B-B14F-4D97-AF65-F5344CB8AC3E}">
-        <p14:creationId xmlns:p14="http://schemas.microsoft.com/office/powerpoint/2010/main" val="1668327933"/>
-      </p:ext>
-    </p:extLst>
   </p:cSld>
   <p:clrMapOvr>
     <a:masterClrMapping/>
@@ -26611,7 +26401,7 @@
       </p:grpSpPr>
       <p:sp>
         <p:nvSpPr>
-          <p:cNvPr id="3" name="2 Título"/>
+          <p:cNvPr id="23553" name="2 Título"/>
           <p:cNvSpPr>
             <a:spLocks noGrp="1"/>
           </p:cNvSpPr>
@@ -26621,19 +26411,12 @@
         </p:nvSpPr>
         <p:spPr/>
         <p:txBody>
-          <a:bodyPr rtlCol="0">
-            <a:normAutofit/>
-          </a:bodyPr>
+          <a:bodyPr/>
           <a:lstStyle/>
           <a:p>
-            <a:pPr eaLnBrk="1" fontAlgn="auto" hangingPunct="1">
-              <a:spcAft>
-                <a:spcPts val="0"/>
-              </a:spcAft>
-              <a:defRPr/>
-            </a:pPr>
+            <a:pPr eaLnBrk="1" hangingPunct="1"/>
             <a:r>
-              <a:rPr lang="es-PE" dirty="0"/>
+              <a:rPr lang="es-PE" smtClean="0"/>
               <a:t>REQUERIMIENTOS FUNCIONALES</a:t>
             </a:r>
           </a:p>
@@ -26645,17 +26428,11 @@
           <p:cNvGraphicFramePr>
             <a:graphicFrameLocks noGrp="1"/>
           </p:cNvGraphicFramePr>
-          <p:nvPr>
-            <p:extLst>
-              <p:ext uri="{D42A27DB-BD31-4B8C-83A1-F6EECF244321}">
-                <p14:modId xmlns:p14="http://schemas.microsoft.com/office/powerpoint/2010/main" val="547184762"/>
-              </p:ext>
-            </p:extLst>
-          </p:nvPr>
+          <p:nvPr/>
         </p:nvGraphicFramePr>
         <p:xfrm>
-          <a:off x="323850" y="2276872"/>
-          <a:ext cx="8568630" cy="4392488"/>
+          <a:off x="323850" y="2276475"/>
+          <a:ext cx="8569325" cy="4392613"/>
         </p:xfrm>
         <a:graphic>
           <a:graphicData uri="http://schemas.openxmlformats.org/drawingml/2006/table">
@@ -27153,11 +26930,6 @@
         </a:graphic>
       </p:graphicFrame>
     </p:spTree>
-    <p:extLst>
-      <p:ext uri="{BB962C8B-B14F-4D97-AF65-F5344CB8AC3E}">
-        <p14:creationId xmlns:p14="http://schemas.microsoft.com/office/powerpoint/2010/main" val="2501341847"/>
-      </p:ext>
-    </p:extLst>
   </p:cSld>
   <p:clrMapOvr>
     <a:masterClrMapping/>
@@ -27191,7 +26963,7 @@
       </p:grpSpPr>
       <p:sp>
         <p:nvSpPr>
-          <p:cNvPr id="3" name="2 Título"/>
+          <p:cNvPr id="25601" name="2 Título"/>
           <p:cNvSpPr>
             <a:spLocks noGrp="1"/>
           </p:cNvSpPr>
@@ -27201,19 +26973,12 @@
         </p:nvSpPr>
         <p:spPr/>
         <p:txBody>
-          <a:bodyPr rtlCol="0">
-            <a:normAutofit/>
-          </a:bodyPr>
+          <a:bodyPr/>
           <a:lstStyle/>
           <a:p>
-            <a:pPr eaLnBrk="1" fontAlgn="auto" hangingPunct="1">
-              <a:spcAft>
-                <a:spcPts val="0"/>
-              </a:spcAft>
-              <a:defRPr/>
-            </a:pPr>
+            <a:pPr eaLnBrk="1" hangingPunct="1"/>
             <a:r>
-              <a:rPr lang="es-PE" dirty="0"/>
+              <a:rPr lang="es-PE" smtClean="0"/>
               <a:t>REQUERIMIENTOS FUNCIONALES</a:t>
             </a:r>
           </a:p>
@@ -27225,17 +26990,11 @@
           <p:cNvGraphicFramePr>
             <a:graphicFrameLocks noGrp="1"/>
           </p:cNvGraphicFramePr>
-          <p:nvPr>
-            <p:extLst>
-              <p:ext uri="{D42A27DB-BD31-4B8C-83A1-F6EECF244321}">
-                <p14:modId xmlns:p14="http://schemas.microsoft.com/office/powerpoint/2010/main" val="4257688815"/>
-              </p:ext>
-            </p:extLst>
-          </p:nvPr>
+          <p:nvPr/>
         </p:nvGraphicFramePr>
         <p:xfrm>
-          <a:off x="323850" y="2636911"/>
-          <a:ext cx="8568630" cy="3312369"/>
+          <a:off x="323850" y="2636838"/>
+          <a:ext cx="8569325" cy="3313112"/>
         </p:xfrm>
         <a:graphic>
           <a:graphicData uri="http://schemas.openxmlformats.org/drawingml/2006/table">
@@ -27611,11 +27370,6 @@
         </a:graphic>
       </p:graphicFrame>
     </p:spTree>
-    <p:extLst>
-      <p:ext uri="{BB962C8B-B14F-4D97-AF65-F5344CB8AC3E}">
-        <p14:creationId xmlns:p14="http://schemas.microsoft.com/office/powerpoint/2010/main" val="3138625664"/>
-      </p:ext>
-    </p:extLst>
   </p:cSld>
   <p:clrMapOvr>
     <a:masterClrMapping/>

--- a/trunk/ tsp01-contratos-clientes/ITERACION02_TP01/S03/PPT FINAL v1.0.pptx
+++ b/trunk/ tsp01-contratos-clientes/ITERACION02_TP01/S03/PPT FINAL v1.0.pptx
@@ -16859,7 +16859,7 @@
         </p:nvGraphicFramePr>
         <p:xfrm>
           <a:off x="323850" y="2133600"/>
-          <a:ext cx="8569325" cy="4510088"/>
+          <a:ext cx="8568630" cy="4510880"/>
         </p:xfrm>
         <a:graphic>
           <a:graphicData uri="http://schemas.openxmlformats.org/drawingml/2006/table">
@@ -17494,7 +17494,7 @@
         </p:nvGraphicFramePr>
         <p:xfrm>
           <a:off x="323850" y="2133600"/>
-          <a:ext cx="8569325" cy="4281488"/>
+          <a:ext cx="8568630" cy="4282632"/>
         </p:xfrm>
         <a:graphic>
           <a:graphicData uri="http://schemas.openxmlformats.org/drawingml/2006/table">
@@ -18212,7 +18212,7 @@
         </p:nvGraphicFramePr>
         <p:xfrm>
           <a:off x="323850" y="2133600"/>
-          <a:ext cx="8569325" cy="4344988"/>
+          <a:ext cx="8568630" cy="4346448"/>
         </p:xfrm>
         <a:graphic>
           <a:graphicData uri="http://schemas.openxmlformats.org/drawingml/2006/table">
@@ -18820,7 +18820,7 @@
           <p:nvPr/>
         </p:nvPicPr>
         <p:blipFill>
-          <a:blip r:embed="rId2"/>
+          <a:blip r:embed="rId2" cstate="print"/>
           <a:srcRect/>
           <a:stretch>
             <a:fillRect/>
@@ -18965,7 +18965,7 @@
           <p:nvPr/>
         </p:nvPicPr>
         <p:blipFill>
-          <a:blip r:embed="rId2"/>
+          <a:blip r:embed="rId2" cstate="print"/>
           <a:srcRect/>
           <a:stretch>
             <a:fillRect/>
@@ -19255,7 +19255,7 @@
           <p:nvPr/>
         </p:nvPicPr>
         <p:blipFill>
-          <a:blip r:embed="rId2"/>
+          <a:blip r:embed="rId2" cstate="print"/>
           <a:srcRect/>
           <a:stretch>
             <a:fillRect/>
@@ -19407,7 +19407,7 @@
           <p:nvPr/>
         </p:nvPicPr>
         <p:blipFill>
-          <a:blip r:embed="rId2"/>
+          <a:blip r:embed="rId2" cstate="print"/>
           <a:srcRect/>
           <a:stretch>
             <a:fillRect/>
@@ -19502,7 +19502,7 @@
           <p:nvPr/>
         </p:nvPicPr>
         <p:blipFill>
-          <a:blip r:embed="rId2"/>
+          <a:blip r:embed="rId2" cstate="print"/>
           <a:srcRect/>
           <a:stretch>
             <a:fillRect/>
@@ -19589,7 +19589,7 @@
           <p:nvPr/>
         </p:nvPicPr>
         <p:blipFill>
-          <a:blip r:embed="rId2"/>
+          <a:blip r:embed="rId2" cstate="print"/>
           <a:srcRect/>
           <a:stretch>
             <a:fillRect/>
@@ -24843,7 +24843,7 @@
           <p:nvPr/>
         </p:nvPicPr>
         <p:blipFill>
-          <a:blip r:embed="rId2"/>
+          <a:blip r:embed="rId2" cstate="print"/>
           <a:srcRect/>
           <a:stretch>
             <a:fillRect/>
@@ -25060,7 +25060,7 @@
           <p:nvPr/>
         </p:nvPicPr>
         <p:blipFill>
-          <a:blip r:embed="rId2"/>
+          <a:blip r:embed="rId2" cstate="print"/>
           <a:srcRect/>
           <a:stretch>
             <a:fillRect/>
@@ -25159,7 +25159,7 @@
           <p:nvPr/>
         </p:nvPicPr>
         <p:blipFill>
-          <a:blip r:embed="rId2"/>
+          <a:blip r:embed="rId2" cstate="print"/>
           <a:srcRect/>
           <a:stretch>
             <a:fillRect/>
@@ -25894,7 +25894,7 @@
         </p:nvGraphicFramePr>
         <p:xfrm>
           <a:off x="323850" y="2347913"/>
-          <a:ext cx="8569325" cy="4249737"/>
+          <a:ext cx="8568630" cy="4249574"/>
         </p:xfrm>
         <a:graphic>
           <a:graphicData uri="http://schemas.openxmlformats.org/drawingml/2006/table">
@@ -26432,7 +26432,7 @@
         </p:nvGraphicFramePr>
         <p:xfrm>
           <a:off x="323850" y="2276475"/>
-          <a:ext cx="8569325" cy="4392613"/>
+          <a:ext cx="8568630" cy="4392488"/>
         </p:xfrm>
         <a:graphic>
           <a:graphicData uri="http://schemas.openxmlformats.org/drawingml/2006/table">
@@ -26994,7 +26994,7 @@
         </p:nvGraphicFramePr>
         <p:xfrm>
           <a:off x="323850" y="2636838"/>
-          <a:ext cx="8569325" cy="3313112"/>
+          <a:ext cx="8568630" cy="3312369"/>
         </p:xfrm>
         <a:graphic>
           <a:graphicData uri="http://schemas.openxmlformats.org/drawingml/2006/table">
@@ -27040,8 +27040,20 @@
                           <a:ea typeface="+mn-ea"/>
                           <a:cs typeface="+mn-cs"/>
                         </a:rPr>
-                        <a:t>CC_RF011_Generar_reporte_de_contratos_y_adendas_por_filtro_de_estados</a:t>
+                        <a:t>CC_RF011_Generar_reporte_de_contratos_y_adendas</a:t>
                       </a:r>
+                      <a:endParaRPr kumimoji="0" lang="es-PE" sz="2000" b="1" i="1" u="none" strike="noStrike" kern="1200" cap="none" normalizeH="0" baseline="0" dirty="0" smtClean="0">
+                        <a:ln>
+                          <a:noFill/>
+                        </a:ln>
+                        <a:solidFill>
+                          <a:schemeClr val="tx2"/>
+                        </a:solidFill>
+                        <a:effectLst/>
+                        <a:latin typeface="Candara" pitchFamily="34" charset="0"/>
+                        <a:ea typeface="+mn-ea"/>
+                        <a:cs typeface="+mn-cs"/>
+                      </a:endParaRPr>
                     </a:p>
                     <a:p>
                       <a:pPr marL="0" algn="just" defTabSz="914400" rtl="0" eaLnBrk="1" latinLnBrk="0" hangingPunct="1"/>
@@ -27058,7 +27070,22 @@
                           <a:ea typeface="+mn-ea"/>
                           <a:cs typeface="+mn-cs"/>
                         </a:rPr>
-                        <a:t>El sistema de permitir generar los reportes de contratos y adendas por sus estados.</a:t>
+                        <a:t>El sistema de permitir generar los reportes de contratos y </a:t>
+                      </a:r>
+                      <a:r>
+                        <a:rPr kumimoji="0" lang="es-PE" sz="2000" b="0" i="1" u="none" strike="noStrike" kern="1200" cap="none" normalizeH="0" baseline="0" dirty="0" smtClean="0">
+                          <a:ln>
+                            <a:noFill/>
+                          </a:ln>
+                          <a:solidFill>
+                            <a:schemeClr val="tx2"/>
+                          </a:solidFill>
+                          <a:effectLst/>
+                          <a:latin typeface="Candara" pitchFamily="34" charset="0"/>
+                          <a:ea typeface="+mn-ea"/>
+                          <a:cs typeface="+mn-cs"/>
+                        </a:rPr>
+                        <a:t>adendas.</a:t>
                       </a:r>
                       <a:endParaRPr kumimoji="0" lang="es-PE" sz="2000" b="0" i="1" u="none" strike="noStrike" kern="1200" cap="none" normalizeH="0" baseline="0" dirty="0">
                         <a:ln>
@@ -27158,7 +27185,7 @@
                           <a:ea typeface="+mn-ea"/>
                           <a:cs typeface="+mn-cs"/>
                         </a:rPr>
-                        <a:t>CC_RF012_Visualizar_tablero_de_anuncios_de_contratos_y_adendas_en_proceso</a:t>
+                        <a:t>CC_RF012_Generar_seguimiento_de_contratos_y_adendas</a:t>
                       </a:r>
                     </a:p>
                     <a:p>
@@ -27176,7 +27203,22 @@
                           <a:ea typeface="+mn-ea"/>
                           <a:cs typeface="+mn-cs"/>
                         </a:rPr>
-                        <a:t>El sistema de permitir mostrar en pantalla un tablero de anuncios de contratos y adendas en proceso.</a:t>
+                        <a:t>El sistema de permitir mostrar en pantalla un tablero de anuncios de contratos y </a:t>
+                      </a:r>
+                      <a:r>
+                        <a:rPr kumimoji="0" lang="es-PE" sz="2000" b="0" i="1" u="none" strike="noStrike" kern="1200" cap="none" normalizeH="0" baseline="0" dirty="0" smtClean="0">
+                          <a:ln>
+                            <a:noFill/>
+                          </a:ln>
+                          <a:solidFill>
+                            <a:schemeClr val="tx2"/>
+                          </a:solidFill>
+                          <a:effectLst/>
+                          <a:latin typeface="Candara" pitchFamily="34" charset="0"/>
+                          <a:ea typeface="+mn-ea"/>
+                          <a:cs typeface="+mn-cs"/>
+                        </a:rPr>
+                        <a:t>adendas.</a:t>
                       </a:r>
                       <a:endParaRPr kumimoji="0" lang="es-PE" sz="2000" b="0" i="1" u="none" strike="noStrike" kern="1200" cap="none" normalizeH="0" baseline="0" dirty="0">
                         <a:ln>
